--- a/Chassis/Presentation/poster.pptx
+++ b/Chassis/Presentation/poster.pptx
@@ -1,19 +1,118 @@
 
 <file path=ppt/presentation.xml><?xml version="1.0" encoding="utf-8"?>
-<p:presentation xmlns:a="http://schemas.openxmlformats.org/drawingml/2006/main" xmlns:p="http://schemas.openxmlformats.org/presentationml/2006/main" xmlns:r="http://schemas.openxmlformats.org/officeDocument/2006/relationships" xmlns:p14="http://schemas.microsoft.com/office/powerpoint/2010/main" xmlns:p15="http://schemas.microsoft.com/office/powerpoint/2012/main" xmlns:mc="http://schemas.openxmlformats.org/markup-compatibility/2006">
+<p:presentation xmlns:a="http://schemas.openxmlformats.org/drawingml/2006/main" xmlns:r="http://schemas.openxmlformats.org/officeDocument/2006/relationships" xmlns:p="http://schemas.openxmlformats.org/presentationml/2006/main">
   <p:sldMasterIdLst>
-    <p:sldMasterId id="2147483648" r:id="rId2"/>
+    <p:sldMasterId id="2147483648" r:id="rId1"/>
   </p:sldMasterIdLst>
   <p:sldIdLst>
-    <p:sldId id="256" r:id="rId3"/>
+    <p:sldId id="256" r:id="rId2"/>
   </p:sldIdLst>
   <p:sldSz cx="36576000" cy="40233600"/>
   <p:notesSz cx="7772400" cy="10058400"/>
+  <p:defaultTextStyle>
+    <a:defPPr>
+      <a:defRPr lang="en-US"/>
+    </a:defPPr>
+    <a:lvl1pPr marL="0" algn="l" defTabSz="914400" rtl="0" eaLnBrk="1" latinLnBrk="0" hangingPunct="1">
+      <a:defRPr sz="1800" kern="1200">
+        <a:solidFill>
+          <a:schemeClr val="tx1"/>
+        </a:solidFill>
+        <a:latin typeface="+mn-lt"/>
+        <a:ea typeface="+mn-ea"/>
+        <a:cs typeface="+mn-cs"/>
+      </a:defRPr>
+    </a:lvl1pPr>
+    <a:lvl2pPr marL="457200" algn="l" defTabSz="914400" rtl="0" eaLnBrk="1" latinLnBrk="0" hangingPunct="1">
+      <a:defRPr sz="1800" kern="1200">
+        <a:solidFill>
+          <a:schemeClr val="tx1"/>
+        </a:solidFill>
+        <a:latin typeface="+mn-lt"/>
+        <a:ea typeface="+mn-ea"/>
+        <a:cs typeface="+mn-cs"/>
+      </a:defRPr>
+    </a:lvl2pPr>
+    <a:lvl3pPr marL="914400" algn="l" defTabSz="914400" rtl="0" eaLnBrk="1" latinLnBrk="0" hangingPunct="1">
+      <a:defRPr sz="1800" kern="1200">
+        <a:solidFill>
+          <a:schemeClr val="tx1"/>
+        </a:solidFill>
+        <a:latin typeface="+mn-lt"/>
+        <a:ea typeface="+mn-ea"/>
+        <a:cs typeface="+mn-cs"/>
+      </a:defRPr>
+    </a:lvl3pPr>
+    <a:lvl4pPr marL="1371600" algn="l" defTabSz="914400" rtl="0" eaLnBrk="1" latinLnBrk="0" hangingPunct="1">
+      <a:defRPr sz="1800" kern="1200">
+        <a:solidFill>
+          <a:schemeClr val="tx1"/>
+        </a:solidFill>
+        <a:latin typeface="+mn-lt"/>
+        <a:ea typeface="+mn-ea"/>
+        <a:cs typeface="+mn-cs"/>
+      </a:defRPr>
+    </a:lvl4pPr>
+    <a:lvl5pPr marL="1828800" algn="l" defTabSz="914400" rtl="0" eaLnBrk="1" latinLnBrk="0" hangingPunct="1">
+      <a:defRPr sz="1800" kern="1200">
+        <a:solidFill>
+          <a:schemeClr val="tx1"/>
+        </a:solidFill>
+        <a:latin typeface="+mn-lt"/>
+        <a:ea typeface="+mn-ea"/>
+        <a:cs typeface="+mn-cs"/>
+      </a:defRPr>
+    </a:lvl5pPr>
+    <a:lvl6pPr marL="2286000" algn="l" defTabSz="914400" rtl="0" eaLnBrk="1" latinLnBrk="0" hangingPunct="1">
+      <a:defRPr sz="1800" kern="1200">
+        <a:solidFill>
+          <a:schemeClr val="tx1"/>
+        </a:solidFill>
+        <a:latin typeface="+mn-lt"/>
+        <a:ea typeface="+mn-ea"/>
+        <a:cs typeface="+mn-cs"/>
+      </a:defRPr>
+    </a:lvl6pPr>
+    <a:lvl7pPr marL="2743200" algn="l" defTabSz="914400" rtl="0" eaLnBrk="1" latinLnBrk="0" hangingPunct="1">
+      <a:defRPr sz="1800" kern="1200">
+        <a:solidFill>
+          <a:schemeClr val="tx1"/>
+        </a:solidFill>
+        <a:latin typeface="+mn-lt"/>
+        <a:ea typeface="+mn-ea"/>
+        <a:cs typeface="+mn-cs"/>
+      </a:defRPr>
+    </a:lvl7pPr>
+    <a:lvl8pPr marL="3200400" algn="l" defTabSz="914400" rtl="0" eaLnBrk="1" latinLnBrk="0" hangingPunct="1">
+      <a:defRPr sz="1800" kern="1200">
+        <a:solidFill>
+          <a:schemeClr val="tx1"/>
+        </a:solidFill>
+        <a:latin typeface="+mn-lt"/>
+        <a:ea typeface="+mn-ea"/>
+        <a:cs typeface="+mn-cs"/>
+      </a:defRPr>
+    </a:lvl8pPr>
+    <a:lvl9pPr marL="3657600" algn="l" defTabSz="914400" rtl="0" eaLnBrk="1" latinLnBrk="0" hangingPunct="1">
+      <a:defRPr sz="1800" kern="1200">
+        <a:solidFill>
+          <a:schemeClr val="tx1"/>
+        </a:solidFill>
+        <a:latin typeface="+mn-lt"/>
+        <a:ea typeface="+mn-ea"/>
+        <a:cs typeface="+mn-cs"/>
+      </a:defRPr>
+    </a:lvl9pPr>
+  </p:defaultTextStyle>
 </p:presentation>
 </file>
 
+<file path=ppt/revisionInfo.xml><?xml version="1.0" encoding="utf-8"?>
+<p1510:revInfo xmlns:a="http://schemas.openxmlformats.org/drawingml/2006/main" xmlns:r="http://schemas.openxmlformats.org/officeDocument/2006/relationships" xmlns:p1510="http://schemas.microsoft.com/office/powerpoint/2015/10/main"/>
+</file>
+
 <file path=ppt/slideLayouts/slideLayout1.xml><?xml version="1.0" encoding="utf-8"?>
-<p:sldLayout xmlns:a="http://schemas.openxmlformats.org/drawingml/2006/main" xmlns:p="http://schemas.openxmlformats.org/presentationml/2006/main" xmlns:r="http://schemas.openxmlformats.org/officeDocument/2006/relationships" xmlns:p14="http://schemas.microsoft.com/office/powerpoint/2010/main" xmlns:p15="http://schemas.microsoft.com/office/powerpoint/2012/main" xmlns:mc="http://schemas.openxmlformats.org/markup-compatibility/2006" type="blank" preserve="1">
+<p:sldLayout xmlns:a="http://schemas.openxmlformats.org/drawingml/2006/main" xmlns:r="http://schemas.openxmlformats.org/officeDocument/2006/relationships" xmlns:p="http://schemas.openxmlformats.org/presentationml/2006/main" type="blank" preserve="1">
   <p:cSld name="Blank Slide">
     <p:spTree>
       <p:nvGrpSpPr>
@@ -31,11 +130,14 @@
       </p:grpSpPr>
     </p:spTree>
   </p:cSld>
+  <p:clrMapOvr>
+    <a:masterClrMapping/>
+  </p:clrMapOvr>
 </p:sldLayout>
 </file>
 
 <file path=ppt/slideLayouts/slideLayout10.xml><?xml version="1.0" encoding="utf-8"?>
-<p:sldLayout xmlns:a="http://schemas.openxmlformats.org/drawingml/2006/main" xmlns:p="http://schemas.openxmlformats.org/presentationml/2006/main" xmlns:r="http://schemas.openxmlformats.org/officeDocument/2006/relationships" xmlns:p14="http://schemas.microsoft.com/office/powerpoint/2010/main" xmlns:p15="http://schemas.microsoft.com/office/powerpoint/2012/main" xmlns:mc="http://schemas.openxmlformats.org/markup-compatibility/2006" type="objOverTx" preserve="1">
+<p:sldLayout xmlns:a="http://schemas.openxmlformats.org/drawingml/2006/main" xmlns:r="http://schemas.openxmlformats.org/officeDocument/2006/relationships" xmlns:p="http://schemas.openxmlformats.org/presentationml/2006/main" type="objOverTx" preserve="1">
   <p:cSld name="Title, Content over Content">
     <p:spTree>
       <p:nvGrpSpPr>
@@ -71,9 +173,10 @@
           </a:prstGeom>
         </p:spPr>
         <p:txBody>
-          <a:bodyPr lIns="0" rIns="0" tIns="0" bIns="0" anchor="ctr"/>
-          <a:p>
-            <a:endParaRPr b="0" lang="sv-SE" sz="4500" spc="-1" strike="noStrike">
+          <a:bodyPr lIns="0" tIns="0" rIns="0" bIns="0" anchor="ctr"/>
+          <a:lstStyle/>
+          <a:p>
+            <a:endParaRPr lang="sv-SE" sz="4500" b="0" strike="noStrike" spc="-1">
               <a:solidFill>
                 <a:srgbClr val="000000"/>
               </a:solidFill>
@@ -102,11 +205,12 @@
           </a:prstGeom>
         </p:spPr>
         <p:txBody>
-          <a:bodyPr lIns="0" rIns="0" tIns="0" bIns="0">
+          <a:bodyPr lIns="0" tIns="0" rIns="0" bIns="0">
             <a:normAutofit/>
           </a:bodyPr>
-          <a:p>
-            <a:endParaRPr b="1" lang="sv-SE" sz="4700" spc="-1" strike="noStrike">
+          <a:lstStyle/>
+          <a:p>
+            <a:endParaRPr lang="sv-SE" sz="4700" b="1" strike="noStrike" spc="-1">
               <a:solidFill>
                 <a:srgbClr val="000000"/>
               </a:solidFill>
@@ -135,11 +239,12 @@
           </a:prstGeom>
         </p:spPr>
         <p:txBody>
-          <a:bodyPr lIns="0" rIns="0" tIns="0" bIns="0">
+          <a:bodyPr lIns="0" tIns="0" rIns="0" bIns="0">
             <a:normAutofit/>
           </a:bodyPr>
-          <a:p>
-            <a:endParaRPr b="1" lang="sv-SE" sz="4700" spc="-1" strike="noStrike">
+          <a:lstStyle/>
+          <a:p>
+            <a:endParaRPr lang="sv-SE" sz="4700" b="1" strike="noStrike" spc="-1">
               <a:solidFill>
                 <a:srgbClr val="000000"/>
               </a:solidFill>
@@ -150,11 +255,14 @@
       </p:sp>
     </p:spTree>
   </p:cSld>
+  <p:clrMapOvr>
+    <a:masterClrMapping/>
+  </p:clrMapOvr>
 </p:sldLayout>
 </file>
 
 <file path=ppt/slideLayouts/slideLayout11.xml><?xml version="1.0" encoding="utf-8"?>
-<p:sldLayout xmlns:a="http://schemas.openxmlformats.org/drawingml/2006/main" xmlns:p="http://schemas.openxmlformats.org/presentationml/2006/main" xmlns:r="http://schemas.openxmlformats.org/officeDocument/2006/relationships" xmlns:p14="http://schemas.microsoft.com/office/powerpoint/2010/main" xmlns:p15="http://schemas.microsoft.com/office/powerpoint/2012/main" xmlns:mc="http://schemas.openxmlformats.org/markup-compatibility/2006" type="fourObj" preserve="1">
+<p:sldLayout xmlns:a="http://schemas.openxmlformats.org/drawingml/2006/main" xmlns:r="http://schemas.openxmlformats.org/officeDocument/2006/relationships" xmlns:p="http://schemas.openxmlformats.org/presentationml/2006/main" type="fourObj" preserve="1">
   <p:cSld name="Title, 4 Content">
     <p:spTree>
       <p:nvGrpSpPr>
@@ -190,9 +298,10 @@
           </a:prstGeom>
         </p:spPr>
         <p:txBody>
-          <a:bodyPr lIns="0" rIns="0" tIns="0" bIns="0" anchor="ctr"/>
-          <a:p>
-            <a:endParaRPr b="0" lang="sv-SE" sz="4500" spc="-1" strike="noStrike">
+          <a:bodyPr lIns="0" tIns="0" rIns="0" bIns="0" anchor="ctr"/>
+          <a:lstStyle/>
+          <a:p>
+            <a:endParaRPr lang="sv-SE" sz="4500" b="0" strike="noStrike" spc="-1">
               <a:solidFill>
                 <a:srgbClr val="000000"/>
               </a:solidFill>
@@ -221,11 +330,12 @@
           </a:prstGeom>
         </p:spPr>
         <p:txBody>
-          <a:bodyPr lIns="0" rIns="0" tIns="0" bIns="0">
+          <a:bodyPr lIns="0" tIns="0" rIns="0" bIns="0">
             <a:normAutofit/>
           </a:bodyPr>
-          <a:p>
-            <a:endParaRPr b="1" lang="sv-SE" sz="4700" spc="-1" strike="noStrike">
+          <a:lstStyle/>
+          <a:p>
+            <a:endParaRPr lang="sv-SE" sz="4700" b="1" strike="noStrike" spc="-1">
               <a:solidFill>
                 <a:srgbClr val="000000"/>
               </a:solidFill>
@@ -254,11 +364,12 @@
           </a:prstGeom>
         </p:spPr>
         <p:txBody>
-          <a:bodyPr lIns="0" rIns="0" tIns="0" bIns="0">
+          <a:bodyPr lIns="0" tIns="0" rIns="0" bIns="0">
             <a:normAutofit/>
           </a:bodyPr>
-          <a:p>
-            <a:endParaRPr b="1" lang="sv-SE" sz="4700" spc="-1" strike="noStrike">
+          <a:lstStyle/>
+          <a:p>
+            <a:endParaRPr lang="sv-SE" sz="4700" b="1" strike="noStrike" spc="-1">
               <a:solidFill>
                 <a:srgbClr val="000000"/>
               </a:solidFill>
@@ -287,11 +398,12 @@
           </a:prstGeom>
         </p:spPr>
         <p:txBody>
-          <a:bodyPr lIns="0" rIns="0" tIns="0" bIns="0">
+          <a:bodyPr lIns="0" tIns="0" rIns="0" bIns="0">
             <a:normAutofit/>
           </a:bodyPr>
-          <a:p>
-            <a:endParaRPr b="1" lang="sv-SE" sz="4700" spc="-1" strike="noStrike">
+          <a:lstStyle/>
+          <a:p>
+            <a:endParaRPr lang="sv-SE" sz="4700" b="1" strike="noStrike" spc="-1">
               <a:solidFill>
                 <a:srgbClr val="000000"/>
               </a:solidFill>
@@ -320,11 +432,12 @@
           </a:prstGeom>
         </p:spPr>
         <p:txBody>
-          <a:bodyPr lIns="0" rIns="0" tIns="0" bIns="0">
+          <a:bodyPr lIns="0" tIns="0" rIns="0" bIns="0">
             <a:normAutofit/>
           </a:bodyPr>
-          <a:p>
-            <a:endParaRPr b="1" lang="sv-SE" sz="4700" spc="-1" strike="noStrike">
+          <a:lstStyle/>
+          <a:p>
+            <a:endParaRPr lang="sv-SE" sz="4700" b="1" strike="noStrike" spc="-1">
               <a:solidFill>
                 <a:srgbClr val="000000"/>
               </a:solidFill>
@@ -335,11 +448,14 @@
       </p:sp>
     </p:spTree>
   </p:cSld>
+  <p:clrMapOvr>
+    <a:masterClrMapping/>
+  </p:clrMapOvr>
 </p:sldLayout>
 </file>
 
 <file path=ppt/slideLayouts/slideLayout12.xml><?xml version="1.0" encoding="utf-8"?>
-<p:sldLayout xmlns:a="http://schemas.openxmlformats.org/drawingml/2006/main" xmlns:p="http://schemas.openxmlformats.org/presentationml/2006/main" xmlns:r="http://schemas.openxmlformats.org/officeDocument/2006/relationships" xmlns:p14="http://schemas.microsoft.com/office/powerpoint/2010/main" xmlns:p15="http://schemas.microsoft.com/office/powerpoint/2012/main" xmlns:mc="http://schemas.openxmlformats.org/markup-compatibility/2006" type="blank" preserve="1">
+<p:sldLayout xmlns:a="http://schemas.openxmlformats.org/drawingml/2006/main" xmlns:r="http://schemas.openxmlformats.org/officeDocument/2006/relationships" xmlns:p="http://schemas.openxmlformats.org/presentationml/2006/main" type="blank" preserve="1">
   <p:cSld name="Title, 6 Content">
     <p:spTree>
       <p:nvGrpSpPr>
@@ -375,9 +491,10 @@
           </a:prstGeom>
         </p:spPr>
         <p:txBody>
-          <a:bodyPr lIns="0" rIns="0" tIns="0" bIns="0" anchor="ctr"/>
-          <a:p>
-            <a:endParaRPr b="0" lang="sv-SE" sz="4500" spc="-1" strike="noStrike">
+          <a:bodyPr lIns="0" tIns="0" rIns="0" bIns="0" anchor="ctr"/>
+          <a:lstStyle/>
+          <a:p>
+            <a:endParaRPr lang="sv-SE" sz="4500" b="0" strike="noStrike" spc="-1">
               <a:solidFill>
                 <a:srgbClr val="000000"/>
               </a:solidFill>
@@ -406,11 +523,12 @@
           </a:prstGeom>
         </p:spPr>
         <p:txBody>
-          <a:bodyPr lIns="0" rIns="0" tIns="0" bIns="0">
+          <a:bodyPr lIns="0" tIns="0" rIns="0" bIns="0">
             <a:normAutofit/>
           </a:bodyPr>
-          <a:p>
-            <a:endParaRPr b="1" lang="sv-SE" sz="4700" spc="-1" strike="noStrike">
+          <a:lstStyle/>
+          <a:p>
+            <a:endParaRPr lang="sv-SE" sz="4700" b="1" strike="noStrike" spc="-1">
               <a:solidFill>
                 <a:srgbClr val="000000"/>
               </a:solidFill>
@@ -439,11 +557,12 @@
           </a:prstGeom>
         </p:spPr>
         <p:txBody>
-          <a:bodyPr lIns="0" rIns="0" tIns="0" bIns="0">
+          <a:bodyPr lIns="0" tIns="0" rIns="0" bIns="0">
             <a:normAutofit/>
           </a:bodyPr>
-          <a:p>
-            <a:endParaRPr b="1" lang="sv-SE" sz="4700" spc="-1" strike="noStrike">
+          <a:lstStyle/>
+          <a:p>
+            <a:endParaRPr lang="sv-SE" sz="4700" b="1" strike="noStrike" spc="-1">
               <a:solidFill>
                 <a:srgbClr val="000000"/>
               </a:solidFill>
@@ -472,11 +591,12 @@
           </a:prstGeom>
         </p:spPr>
         <p:txBody>
-          <a:bodyPr lIns="0" rIns="0" tIns="0" bIns="0">
+          <a:bodyPr lIns="0" tIns="0" rIns="0" bIns="0">
             <a:normAutofit/>
           </a:bodyPr>
-          <a:p>
-            <a:endParaRPr b="1" lang="sv-SE" sz="4700" spc="-1" strike="noStrike">
+          <a:lstStyle/>
+          <a:p>
+            <a:endParaRPr lang="sv-SE" sz="4700" b="1" strike="noStrike" spc="-1">
               <a:solidFill>
                 <a:srgbClr val="000000"/>
               </a:solidFill>
@@ -505,11 +625,12 @@
           </a:prstGeom>
         </p:spPr>
         <p:txBody>
-          <a:bodyPr lIns="0" rIns="0" tIns="0" bIns="0">
+          <a:bodyPr lIns="0" tIns="0" rIns="0" bIns="0">
             <a:normAutofit/>
           </a:bodyPr>
-          <a:p>
-            <a:endParaRPr b="1" lang="sv-SE" sz="4700" spc="-1" strike="noStrike">
+          <a:lstStyle/>
+          <a:p>
+            <a:endParaRPr lang="sv-SE" sz="4700" b="1" strike="noStrike" spc="-1">
               <a:solidFill>
                 <a:srgbClr val="000000"/>
               </a:solidFill>
@@ -538,11 +659,12 @@
           </a:prstGeom>
         </p:spPr>
         <p:txBody>
-          <a:bodyPr lIns="0" rIns="0" tIns="0" bIns="0">
+          <a:bodyPr lIns="0" tIns="0" rIns="0" bIns="0">
             <a:normAutofit/>
           </a:bodyPr>
-          <a:p>
-            <a:endParaRPr b="1" lang="sv-SE" sz="4700" spc="-1" strike="noStrike">
+          <a:lstStyle/>
+          <a:p>
+            <a:endParaRPr lang="sv-SE" sz="4700" b="1" strike="noStrike" spc="-1">
               <a:solidFill>
                 <a:srgbClr val="000000"/>
               </a:solidFill>
@@ -571,11 +693,12 @@
           </a:prstGeom>
         </p:spPr>
         <p:txBody>
-          <a:bodyPr lIns="0" rIns="0" tIns="0" bIns="0">
+          <a:bodyPr lIns="0" tIns="0" rIns="0" bIns="0">
             <a:normAutofit/>
           </a:bodyPr>
-          <a:p>
-            <a:endParaRPr b="1" lang="sv-SE" sz="4700" spc="-1" strike="noStrike">
+          <a:lstStyle/>
+          <a:p>
+            <a:endParaRPr lang="sv-SE" sz="4700" b="1" strike="noStrike" spc="-1">
               <a:solidFill>
                 <a:srgbClr val="000000"/>
               </a:solidFill>
@@ -586,11 +709,14 @@
       </p:sp>
     </p:spTree>
   </p:cSld>
+  <p:clrMapOvr>
+    <a:masterClrMapping/>
+  </p:clrMapOvr>
 </p:sldLayout>
 </file>
 
 <file path=ppt/slideLayouts/slideLayout2.xml><?xml version="1.0" encoding="utf-8"?>
-<p:sldLayout xmlns:a="http://schemas.openxmlformats.org/drawingml/2006/main" xmlns:p="http://schemas.openxmlformats.org/presentationml/2006/main" xmlns:r="http://schemas.openxmlformats.org/officeDocument/2006/relationships" xmlns:p14="http://schemas.microsoft.com/office/powerpoint/2010/main" xmlns:p15="http://schemas.microsoft.com/office/powerpoint/2012/main" xmlns:mc="http://schemas.openxmlformats.org/markup-compatibility/2006" type="tx" preserve="1">
+<p:sldLayout xmlns:a="http://schemas.openxmlformats.org/drawingml/2006/main" xmlns:r="http://schemas.openxmlformats.org/officeDocument/2006/relationships" xmlns:p="http://schemas.openxmlformats.org/presentationml/2006/main" type="tx" preserve="1">
   <p:cSld name="Title Slide">
     <p:spTree>
       <p:nvGrpSpPr>
@@ -626,9 +752,10 @@
           </a:prstGeom>
         </p:spPr>
         <p:txBody>
-          <a:bodyPr lIns="0" rIns="0" tIns="0" bIns="0" anchor="ctr"/>
-          <a:p>
-            <a:endParaRPr b="0" lang="sv-SE" sz="4500" spc="-1" strike="noStrike">
+          <a:bodyPr lIns="0" tIns="0" rIns="0" bIns="0" anchor="ctr"/>
+          <a:lstStyle/>
+          <a:p>
+            <a:endParaRPr lang="sv-SE" sz="4500" b="0" strike="noStrike" spc="-1">
               <a:solidFill>
                 <a:srgbClr val="000000"/>
               </a:solidFill>
@@ -657,10 +784,11 @@
           </a:prstGeom>
         </p:spPr>
         <p:txBody>
-          <a:bodyPr lIns="0" rIns="0" tIns="0" bIns="0" anchor="ctr"/>
+          <a:bodyPr lIns="0" tIns="0" rIns="0" bIns="0" anchor="ctr"/>
+          <a:lstStyle/>
           <a:p>
             <a:pPr algn="ctr"/>
-            <a:endParaRPr b="0" lang="en-US" sz="3200" spc="-1" strike="noStrike">
+            <a:endParaRPr lang="en-US" sz="3200" b="0" strike="noStrike" spc="-1">
               <a:latin typeface="Arial"/>
             </a:endParaRPr>
           </a:p>
@@ -668,11 +796,14 @@
       </p:sp>
     </p:spTree>
   </p:cSld>
+  <p:clrMapOvr>
+    <a:masterClrMapping/>
+  </p:clrMapOvr>
 </p:sldLayout>
 </file>
 
 <file path=ppt/slideLayouts/slideLayout3.xml><?xml version="1.0" encoding="utf-8"?>
-<p:sldLayout xmlns:a="http://schemas.openxmlformats.org/drawingml/2006/main" xmlns:p="http://schemas.openxmlformats.org/presentationml/2006/main" xmlns:r="http://schemas.openxmlformats.org/officeDocument/2006/relationships" xmlns:p14="http://schemas.microsoft.com/office/powerpoint/2010/main" xmlns:p15="http://schemas.microsoft.com/office/powerpoint/2012/main" xmlns:mc="http://schemas.openxmlformats.org/markup-compatibility/2006" type="obj" preserve="1">
+<p:sldLayout xmlns:a="http://schemas.openxmlformats.org/drawingml/2006/main" xmlns:r="http://schemas.openxmlformats.org/officeDocument/2006/relationships" xmlns:p="http://schemas.openxmlformats.org/presentationml/2006/main" type="obj" preserve="1">
   <p:cSld name="Title, Content">
     <p:spTree>
       <p:nvGrpSpPr>
@@ -708,9 +839,10 @@
           </a:prstGeom>
         </p:spPr>
         <p:txBody>
-          <a:bodyPr lIns="0" rIns="0" tIns="0" bIns="0" anchor="ctr"/>
-          <a:p>
-            <a:endParaRPr b="0" lang="sv-SE" sz="4500" spc="-1" strike="noStrike">
+          <a:bodyPr lIns="0" tIns="0" rIns="0" bIns="0" anchor="ctr"/>
+          <a:lstStyle/>
+          <a:p>
+            <a:endParaRPr lang="sv-SE" sz="4500" b="0" strike="noStrike" spc="-1">
               <a:solidFill>
                 <a:srgbClr val="000000"/>
               </a:solidFill>
@@ -739,11 +871,12 @@
           </a:prstGeom>
         </p:spPr>
         <p:txBody>
-          <a:bodyPr lIns="0" rIns="0" tIns="0" bIns="0">
+          <a:bodyPr lIns="0" tIns="0" rIns="0" bIns="0">
             <a:normAutofit/>
           </a:bodyPr>
-          <a:p>
-            <a:endParaRPr b="1" lang="sv-SE" sz="4700" spc="-1" strike="noStrike">
+          <a:lstStyle/>
+          <a:p>
+            <a:endParaRPr lang="sv-SE" sz="4700" b="1" strike="noStrike" spc="-1">
               <a:solidFill>
                 <a:srgbClr val="000000"/>
               </a:solidFill>
@@ -754,11 +887,14 @@
       </p:sp>
     </p:spTree>
   </p:cSld>
+  <p:clrMapOvr>
+    <a:masterClrMapping/>
+  </p:clrMapOvr>
 </p:sldLayout>
 </file>
 
 <file path=ppt/slideLayouts/slideLayout4.xml><?xml version="1.0" encoding="utf-8"?>
-<p:sldLayout xmlns:a="http://schemas.openxmlformats.org/drawingml/2006/main" xmlns:p="http://schemas.openxmlformats.org/presentationml/2006/main" xmlns:r="http://schemas.openxmlformats.org/officeDocument/2006/relationships" xmlns:p14="http://schemas.microsoft.com/office/powerpoint/2010/main" xmlns:p15="http://schemas.microsoft.com/office/powerpoint/2012/main" xmlns:mc="http://schemas.openxmlformats.org/markup-compatibility/2006" type="twoObj" preserve="1">
+<p:sldLayout xmlns:a="http://schemas.openxmlformats.org/drawingml/2006/main" xmlns:r="http://schemas.openxmlformats.org/officeDocument/2006/relationships" xmlns:p="http://schemas.openxmlformats.org/presentationml/2006/main" type="twoObj" preserve="1">
   <p:cSld name="Title, 2 Content">
     <p:spTree>
       <p:nvGrpSpPr>
@@ -794,9 +930,10 @@
           </a:prstGeom>
         </p:spPr>
         <p:txBody>
-          <a:bodyPr lIns="0" rIns="0" tIns="0" bIns="0" anchor="ctr"/>
-          <a:p>
-            <a:endParaRPr b="0" lang="sv-SE" sz="4500" spc="-1" strike="noStrike">
+          <a:bodyPr lIns="0" tIns="0" rIns="0" bIns="0" anchor="ctr"/>
+          <a:lstStyle/>
+          <a:p>
+            <a:endParaRPr lang="sv-SE" sz="4500" b="0" strike="noStrike" spc="-1">
               <a:solidFill>
                 <a:srgbClr val="000000"/>
               </a:solidFill>
@@ -825,11 +962,12 @@
           </a:prstGeom>
         </p:spPr>
         <p:txBody>
-          <a:bodyPr lIns="0" rIns="0" tIns="0" bIns="0">
+          <a:bodyPr lIns="0" tIns="0" rIns="0" bIns="0">
             <a:normAutofit/>
           </a:bodyPr>
-          <a:p>
-            <a:endParaRPr b="1" lang="sv-SE" sz="4700" spc="-1" strike="noStrike">
+          <a:lstStyle/>
+          <a:p>
+            <a:endParaRPr lang="sv-SE" sz="4700" b="1" strike="noStrike" spc="-1">
               <a:solidFill>
                 <a:srgbClr val="000000"/>
               </a:solidFill>
@@ -858,11 +996,12 @@
           </a:prstGeom>
         </p:spPr>
         <p:txBody>
-          <a:bodyPr lIns="0" rIns="0" tIns="0" bIns="0">
+          <a:bodyPr lIns="0" tIns="0" rIns="0" bIns="0">
             <a:normAutofit/>
           </a:bodyPr>
-          <a:p>
-            <a:endParaRPr b="1" lang="sv-SE" sz="4700" spc="-1" strike="noStrike">
+          <a:lstStyle/>
+          <a:p>
+            <a:endParaRPr lang="sv-SE" sz="4700" b="1" strike="noStrike" spc="-1">
               <a:solidFill>
                 <a:srgbClr val="000000"/>
               </a:solidFill>
@@ -873,11 +1012,14 @@
       </p:sp>
     </p:spTree>
   </p:cSld>
+  <p:clrMapOvr>
+    <a:masterClrMapping/>
+  </p:clrMapOvr>
 </p:sldLayout>
 </file>
 
 <file path=ppt/slideLayouts/slideLayout5.xml><?xml version="1.0" encoding="utf-8"?>
-<p:sldLayout xmlns:a="http://schemas.openxmlformats.org/drawingml/2006/main" xmlns:p="http://schemas.openxmlformats.org/presentationml/2006/main" xmlns:r="http://schemas.openxmlformats.org/officeDocument/2006/relationships" xmlns:p14="http://schemas.microsoft.com/office/powerpoint/2010/main" xmlns:p15="http://schemas.microsoft.com/office/powerpoint/2012/main" xmlns:mc="http://schemas.openxmlformats.org/markup-compatibility/2006" type="titleOnly" preserve="1">
+<p:sldLayout xmlns:a="http://schemas.openxmlformats.org/drawingml/2006/main" xmlns:r="http://schemas.openxmlformats.org/officeDocument/2006/relationships" xmlns:p="http://schemas.openxmlformats.org/presentationml/2006/main" type="titleOnly" preserve="1">
   <p:cSld name="Title Only">
     <p:spTree>
       <p:nvGrpSpPr>
@@ -913,9 +1055,10 @@
           </a:prstGeom>
         </p:spPr>
         <p:txBody>
-          <a:bodyPr lIns="0" rIns="0" tIns="0" bIns="0" anchor="ctr"/>
-          <a:p>
-            <a:endParaRPr b="0" lang="sv-SE" sz="4500" spc="-1" strike="noStrike">
+          <a:bodyPr lIns="0" tIns="0" rIns="0" bIns="0" anchor="ctr"/>
+          <a:lstStyle/>
+          <a:p>
+            <a:endParaRPr lang="sv-SE" sz="4500" b="0" strike="noStrike" spc="-1">
               <a:solidFill>
                 <a:srgbClr val="000000"/>
               </a:solidFill>
@@ -926,11 +1069,14 @@
       </p:sp>
     </p:spTree>
   </p:cSld>
+  <p:clrMapOvr>
+    <a:masterClrMapping/>
+  </p:clrMapOvr>
 </p:sldLayout>
 </file>
 
 <file path=ppt/slideLayouts/slideLayout6.xml><?xml version="1.0" encoding="utf-8"?>
-<p:sldLayout xmlns:a="http://schemas.openxmlformats.org/drawingml/2006/main" xmlns:p="http://schemas.openxmlformats.org/presentationml/2006/main" xmlns:r="http://schemas.openxmlformats.org/officeDocument/2006/relationships" xmlns:p14="http://schemas.microsoft.com/office/powerpoint/2010/main" xmlns:p15="http://schemas.microsoft.com/office/powerpoint/2012/main" xmlns:mc="http://schemas.openxmlformats.org/markup-compatibility/2006" type="objOnly" preserve="1">
+<p:sldLayout xmlns:a="http://schemas.openxmlformats.org/drawingml/2006/main" xmlns:r="http://schemas.openxmlformats.org/officeDocument/2006/relationships" xmlns:p="http://schemas.openxmlformats.org/presentationml/2006/main" type="objOnly" preserve="1">
   <p:cSld name="Centered Text">
     <p:spTree>
       <p:nvGrpSpPr>
@@ -966,10 +1112,11 @@
           </a:prstGeom>
         </p:spPr>
         <p:txBody>
-          <a:bodyPr lIns="0" rIns="0" tIns="0" bIns="0" anchor="ctr"/>
+          <a:bodyPr lIns="0" tIns="0" rIns="0" bIns="0" anchor="ctr"/>
+          <a:lstStyle/>
           <a:p>
             <a:pPr algn="ctr"/>
-            <a:endParaRPr b="0" lang="en-US" sz="3200" spc="-1" strike="noStrike">
+            <a:endParaRPr lang="en-US" sz="3200" b="0" strike="noStrike" spc="-1">
               <a:latin typeface="Arial"/>
             </a:endParaRPr>
           </a:p>
@@ -977,11 +1124,14 @@
       </p:sp>
     </p:spTree>
   </p:cSld>
+  <p:clrMapOvr>
+    <a:masterClrMapping/>
+  </p:clrMapOvr>
 </p:sldLayout>
 </file>
 
 <file path=ppt/slideLayouts/slideLayout7.xml><?xml version="1.0" encoding="utf-8"?>
-<p:sldLayout xmlns:a="http://schemas.openxmlformats.org/drawingml/2006/main" xmlns:p="http://schemas.openxmlformats.org/presentationml/2006/main" xmlns:r="http://schemas.openxmlformats.org/officeDocument/2006/relationships" xmlns:p14="http://schemas.microsoft.com/office/powerpoint/2010/main" xmlns:p15="http://schemas.microsoft.com/office/powerpoint/2012/main" xmlns:mc="http://schemas.openxmlformats.org/markup-compatibility/2006" type="twoObjAndObj" preserve="1">
+<p:sldLayout xmlns:a="http://schemas.openxmlformats.org/drawingml/2006/main" xmlns:r="http://schemas.openxmlformats.org/officeDocument/2006/relationships" xmlns:p="http://schemas.openxmlformats.org/presentationml/2006/main" type="twoObjAndObj" preserve="1">
   <p:cSld name="Title, 2 Content and Content">
     <p:spTree>
       <p:nvGrpSpPr>
@@ -1017,9 +1167,10 @@
           </a:prstGeom>
         </p:spPr>
         <p:txBody>
-          <a:bodyPr lIns="0" rIns="0" tIns="0" bIns="0" anchor="ctr"/>
-          <a:p>
-            <a:endParaRPr b="0" lang="sv-SE" sz="4500" spc="-1" strike="noStrike">
+          <a:bodyPr lIns="0" tIns="0" rIns="0" bIns="0" anchor="ctr"/>
+          <a:lstStyle/>
+          <a:p>
+            <a:endParaRPr lang="sv-SE" sz="4500" b="0" strike="noStrike" spc="-1">
               <a:solidFill>
                 <a:srgbClr val="000000"/>
               </a:solidFill>
@@ -1048,11 +1199,12 @@
           </a:prstGeom>
         </p:spPr>
         <p:txBody>
-          <a:bodyPr lIns="0" rIns="0" tIns="0" bIns="0">
+          <a:bodyPr lIns="0" tIns="0" rIns="0" bIns="0">
             <a:normAutofit/>
           </a:bodyPr>
-          <a:p>
-            <a:endParaRPr b="1" lang="sv-SE" sz="4700" spc="-1" strike="noStrike">
+          <a:lstStyle/>
+          <a:p>
+            <a:endParaRPr lang="sv-SE" sz="4700" b="1" strike="noStrike" spc="-1">
               <a:solidFill>
                 <a:srgbClr val="000000"/>
               </a:solidFill>
@@ -1081,11 +1233,12 @@
           </a:prstGeom>
         </p:spPr>
         <p:txBody>
-          <a:bodyPr lIns="0" rIns="0" tIns="0" bIns="0">
+          <a:bodyPr lIns="0" tIns="0" rIns="0" bIns="0">
             <a:normAutofit/>
           </a:bodyPr>
-          <a:p>
-            <a:endParaRPr b="1" lang="sv-SE" sz="4700" spc="-1" strike="noStrike">
+          <a:lstStyle/>
+          <a:p>
+            <a:endParaRPr lang="sv-SE" sz="4700" b="1" strike="noStrike" spc="-1">
               <a:solidFill>
                 <a:srgbClr val="000000"/>
               </a:solidFill>
@@ -1114,11 +1267,12 @@
           </a:prstGeom>
         </p:spPr>
         <p:txBody>
-          <a:bodyPr lIns="0" rIns="0" tIns="0" bIns="0">
+          <a:bodyPr lIns="0" tIns="0" rIns="0" bIns="0">
             <a:normAutofit/>
           </a:bodyPr>
-          <a:p>
-            <a:endParaRPr b="1" lang="sv-SE" sz="4700" spc="-1" strike="noStrike">
+          <a:lstStyle/>
+          <a:p>
+            <a:endParaRPr lang="sv-SE" sz="4700" b="1" strike="noStrike" spc="-1">
               <a:solidFill>
                 <a:srgbClr val="000000"/>
               </a:solidFill>
@@ -1129,11 +1283,14 @@
       </p:sp>
     </p:spTree>
   </p:cSld>
+  <p:clrMapOvr>
+    <a:masterClrMapping/>
+  </p:clrMapOvr>
 </p:sldLayout>
 </file>
 
 <file path=ppt/slideLayouts/slideLayout8.xml><?xml version="1.0" encoding="utf-8"?>
-<p:sldLayout xmlns:a="http://schemas.openxmlformats.org/drawingml/2006/main" xmlns:p="http://schemas.openxmlformats.org/presentationml/2006/main" xmlns:r="http://schemas.openxmlformats.org/officeDocument/2006/relationships" xmlns:p14="http://schemas.microsoft.com/office/powerpoint/2010/main" xmlns:p15="http://schemas.microsoft.com/office/powerpoint/2012/main" xmlns:mc="http://schemas.openxmlformats.org/markup-compatibility/2006" type="objAndTwoObj" preserve="1">
+<p:sldLayout xmlns:a="http://schemas.openxmlformats.org/drawingml/2006/main" xmlns:r="http://schemas.openxmlformats.org/officeDocument/2006/relationships" xmlns:p="http://schemas.openxmlformats.org/presentationml/2006/main" type="objAndTwoObj" preserve="1">
   <p:cSld name="Title Content and 2 Content">
     <p:spTree>
       <p:nvGrpSpPr>
@@ -1169,9 +1326,10 @@
           </a:prstGeom>
         </p:spPr>
         <p:txBody>
-          <a:bodyPr lIns="0" rIns="0" tIns="0" bIns="0" anchor="ctr"/>
-          <a:p>
-            <a:endParaRPr b="0" lang="sv-SE" sz="4500" spc="-1" strike="noStrike">
+          <a:bodyPr lIns="0" tIns="0" rIns="0" bIns="0" anchor="ctr"/>
+          <a:lstStyle/>
+          <a:p>
+            <a:endParaRPr lang="sv-SE" sz="4500" b="0" strike="noStrike" spc="-1">
               <a:solidFill>
                 <a:srgbClr val="000000"/>
               </a:solidFill>
@@ -1200,11 +1358,12 @@
           </a:prstGeom>
         </p:spPr>
         <p:txBody>
-          <a:bodyPr lIns="0" rIns="0" tIns="0" bIns="0">
+          <a:bodyPr lIns="0" tIns="0" rIns="0" bIns="0">
             <a:normAutofit/>
           </a:bodyPr>
-          <a:p>
-            <a:endParaRPr b="1" lang="sv-SE" sz="4700" spc="-1" strike="noStrike">
+          <a:lstStyle/>
+          <a:p>
+            <a:endParaRPr lang="sv-SE" sz="4700" b="1" strike="noStrike" spc="-1">
               <a:solidFill>
                 <a:srgbClr val="000000"/>
               </a:solidFill>
@@ -1233,11 +1392,12 @@
           </a:prstGeom>
         </p:spPr>
         <p:txBody>
-          <a:bodyPr lIns="0" rIns="0" tIns="0" bIns="0">
+          <a:bodyPr lIns="0" tIns="0" rIns="0" bIns="0">
             <a:normAutofit/>
           </a:bodyPr>
-          <a:p>
-            <a:endParaRPr b="1" lang="sv-SE" sz="4700" spc="-1" strike="noStrike">
+          <a:lstStyle/>
+          <a:p>
+            <a:endParaRPr lang="sv-SE" sz="4700" b="1" strike="noStrike" spc="-1">
               <a:solidFill>
                 <a:srgbClr val="000000"/>
               </a:solidFill>
@@ -1266,11 +1426,12 @@
           </a:prstGeom>
         </p:spPr>
         <p:txBody>
-          <a:bodyPr lIns="0" rIns="0" tIns="0" bIns="0">
+          <a:bodyPr lIns="0" tIns="0" rIns="0" bIns="0">
             <a:normAutofit/>
           </a:bodyPr>
-          <a:p>
-            <a:endParaRPr b="1" lang="sv-SE" sz="4700" spc="-1" strike="noStrike">
+          <a:lstStyle/>
+          <a:p>
+            <a:endParaRPr lang="sv-SE" sz="4700" b="1" strike="noStrike" spc="-1">
               <a:solidFill>
                 <a:srgbClr val="000000"/>
               </a:solidFill>
@@ -1281,11 +1442,14 @@
       </p:sp>
     </p:spTree>
   </p:cSld>
+  <p:clrMapOvr>
+    <a:masterClrMapping/>
+  </p:clrMapOvr>
 </p:sldLayout>
 </file>
 
 <file path=ppt/slideLayouts/slideLayout9.xml><?xml version="1.0" encoding="utf-8"?>
-<p:sldLayout xmlns:a="http://schemas.openxmlformats.org/drawingml/2006/main" xmlns:p="http://schemas.openxmlformats.org/presentationml/2006/main" xmlns:r="http://schemas.openxmlformats.org/officeDocument/2006/relationships" xmlns:p14="http://schemas.microsoft.com/office/powerpoint/2010/main" xmlns:p15="http://schemas.microsoft.com/office/powerpoint/2012/main" xmlns:mc="http://schemas.openxmlformats.org/markup-compatibility/2006" type="twoObjOverTx" preserve="1">
+<p:sldLayout xmlns:a="http://schemas.openxmlformats.org/drawingml/2006/main" xmlns:r="http://schemas.openxmlformats.org/officeDocument/2006/relationships" xmlns:p="http://schemas.openxmlformats.org/presentationml/2006/main" type="twoObjOverTx" preserve="1">
   <p:cSld name="Title, 2 Content over Content">
     <p:spTree>
       <p:nvGrpSpPr>
@@ -1321,9 +1485,10 @@
           </a:prstGeom>
         </p:spPr>
         <p:txBody>
-          <a:bodyPr lIns="0" rIns="0" tIns="0" bIns="0" anchor="ctr"/>
-          <a:p>
-            <a:endParaRPr b="0" lang="sv-SE" sz="4500" spc="-1" strike="noStrike">
+          <a:bodyPr lIns="0" tIns="0" rIns="0" bIns="0" anchor="ctr"/>
+          <a:lstStyle/>
+          <a:p>
+            <a:endParaRPr lang="sv-SE" sz="4500" b="0" strike="noStrike" spc="-1">
               <a:solidFill>
                 <a:srgbClr val="000000"/>
               </a:solidFill>
@@ -1352,11 +1517,12 @@
           </a:prstGeom>
         </p:spPr>
         <p:txBody>
-          <a:bodyPr lIns="0" rIns="0" tIns="0" bIns="0">
+          <a:bodyPr lIns="0" tIns="0" rIns="0" bIns="0">
             <a:normAutofit/>
           </a:bodyPr>
-          <a:p>
-            <a:endParaRPr b="1" lang="sv-SE" sz="4700" spc="-1" strike="noStrike">
+          <a:lstStyle/>
+          <a:p>
+            <a:endParaRPr lang="sv-SE" sz="4700" b="1" strike="noStrike" spc="-1">
               <a:solidFill>
                 <a:srgbClr val="000000"/>
               </a:solidFill>
@@ -1385,11 +1551,12 @@
           </a:prstGeom>
         </p:spPr>
         <p:txBody>
-          <a:bodyPr lIns="0" rIns="0" tIns="0" bIns="0">
+          <a:bodyPr lIns="0" tIns="0" rIns="0" bIns="0">
             <a:normAutofit/>
           </a:bodyPr>
-          <a:p>
-            <a:endParaRPr b="1" lang="sv-SE" sz="4700" spc="-1" strike="noStrike">
+          <a:lstStyle/>
+          <a:p>
+            <a:endParaRPr lang="sv-SE" sz="4700" b="1" strike="noStrike" spc="-1">
               <a:solidFill>
                 <a:srgbClr val="000000"/>
               </a:solidFill>
@@ -1418,11 +1585,12 @@
           </a:prstGeom>
         </p:spPr>
         <p:txBody>
-          <a:bodyPr lIns="0" rIns="0" tIns="0" bIns="0">
+          <a:bodyPr lIns="0" tIns="0" rIns="0" bIns="0">
             <a:normAutofit/>
           </a:bodyPr>
-          <a:p>
-            <a:endParaRPr b="1" lang="sv-SE" sz="4700" spc="-1" strike="noStrike">
+          <a:lstStyle/>
+          <a:p>
+            <a:endParaRPr lang="sv-SE" sz="4700" b="1" strike="noStrike" spc="-1">
               <a:solidFill>
                 <a:srgbClr val="000000"/>
               </a:solidFill>
@@ -1433,17 +1601,21 @@
       </p:sp>
     </p:spTree>
   </p:cSld>
+  <p:clrMapOvr>
+    <a:masterClrMapping/>
+  </p:clrMapOvr>
 </p:sldLayout>
 </file>
 
 <file path=ppt/slideMasters/slideMaster1.xml><?xml version="1.0" encoding="utf-8"?>
-<p:sldMaster xmlns:a="http://schemas.openxmlformats.org/drawingml/2006/main" xmlns:p="http://schemas.openxmlformats.org/presentationml/2006/main" xmlns:r="http://schemas.openxmlformats.org/officeDocument/2006/relationships" xmlns:p14="http://schemas.microsoft.com/office/powerpoint/2010/main" xmlns:p15="http://schemas.microsoft.com/office/powerpoint/2012/main" xmlns:mc="http://schemas.openxmlformats.org/markup-compatibility/2006">
+<p:sldMaster xmlns:a="http://schemas.openxmlformats.org/drawingml/2006/main" xmlns:r="http://schemas.openxmlformats.org/officeDocument/2006/relationships" xmlns:p="http://schemas.openxmlformats.org/presentationml/2006/main">
   <p:cSld>
     <p:bg>
       <p:bgPr>
         <a:solidFill>
-          <a:srgbClr val="ffffff"/>
+          <a:srgbClr val="FFFFFF"/>
         </a:solidFill>
+        <a:effectLst/>
       </p:bgPr>
     </p:bg>
     <p:spTree>
@@ -1462,7 +1634,7 @@
       </p:grpSpPr>
       <p:sp>
         <p:nvSpPr>
-          <p:cNvPr id="0" name="CustomShape 1"/>
+          <p:cNvPr id="43" name="CustomShape 1"/>
           <p:cNvSpPr/>
           <p:nvPr/>
         </p:nvSpPr>
@@ -1482,15 +1654,21 @@
           </a:ln>
         </p:spPr>
         <p:style>
-          <a:lnRef idx="0"/>
-          <a:fillRef idx="0"/>
-          <a:effectRef idx="0"/>
+          <a:lnRef idx="0">
+            <a:scrgbClr r="0" g="0" b="0"/>
+          </a:lnRef>
+          <a:fillRef idx="0">
+            <a:scrgbClr r="0" g="0" b="0"/>
+          </a:fillRef>
+          <a:effectRef idx="0">
+            <a:scrgbClr r="0" g="0" b="0"/>
+          </a:effectRef>
           <a:fontRef idx="minor"/>
         </p:style>
       </p:sp>
       <p:sp>
         <p:nvSpPr>
-          <p:cNvPr id="1" name="CustomShape 2"/>
+          <p:cNvPr id="44" name="CustomShape 2"/>
           <p:cNvSpPr/>
           <p:nvPr/>
         </p:nvSpPr>
@@ -1510,9 +1688,15 @@
           </a:ln>
         </p:spPr>
         <p:style>
-          <a:lnRef idx="0"/>
-          <a:fillRef idx="0"/>
-          <a:effectRef idx="0"/>
+          <a:lnRef idx="0">
+            <a:scrgbClr r="0" g="0" b="0"/>
+          </a:lnRef>
+          <a:fillRef idx="0">
+            <a:scrgbClr r="0" g="0" b="0"/>
+          </a:fillRef>
+          <a:effectRef idx="0">
+            <a:scrgbClr r="0" g="0" b="0"/>
+          </a:effectRef>
           <a:fontRef idx="minor"/>
         </p:style>
       </p:sp>
@@ -1532,16 +1716,16 @@
         </p:grpSpPr>
         <p:pic>
           <p:nvPicPr>
-            <p:cNvPr id="3" name="Picture 4" descr=""/>
+            <p:cNvPr id="3" name="Picture 4"/>
             <p:cNvPicPr/>
             <p:nvPr/>
           </p:nvPicPr>
           <p:blipFill>
-            <a:blip r:embed="rId2">
+            <a:blip r:embed="rId14">
               <a:extLst>
                 <a:ext uri="{BEBA8EAE-BF5A-486C-A8C5-ECC9F3942E4B}">
                   <a14:imgProps xmlns:a14="http://schemas.microsoft.com/office/drawing/2010/main">
-                    <a14:imgLayer r:embed="rId3">
+                    <a14:imgLayer r:embed="rId15">
                       <a14:imgEffect>
                         <a14:brightnessContrast bright="40000" contrast="20000"/>
                       </a14:imgEffect>
@@ -1550,7 +1734,7 @@
                 </a:ext>
               </a:extLst>
             </a:blip>
-            <a:srcRect l="0" t="16915" r="0" b="0"/>
+            <a:srcRect t="16915"/>
             <a:stretch/>
           </p:blipFill>
           <p:spPr>
@@ -1598,21 +1782,27 @@
             </a:ln>
           </p:spPr>
           <p:style>
-            <a:lnRef idx="0"/>
-            <a:fillRef idx="0"/>
-            <a:effectRef idx="0"/>
+            <a:lnRef idx="0">
+              <a:scrgbClr r="0" g="0" b="0"/>
+            </a:lnRef>
+            <a:fillRef idx="0">
+              <a:scrgbClr r="0" g="0" b="0"/>
+            </a:fillRef>
+            <a:effectRef idx="0">
+              <a:scrgbClr r="0" g="0" b="0"/>
+            </a:effectRef>
             <a:fontRef idx="minor"/>
           </p:style>
         </p:sp>
       </p:grpSp>
       <p:pic>
         <p:nvPicPr>
-          <p:cNvPr id="5" name="Picture 29" descr=""/>
+          <p:cNvPr id="5" name="Picture 29"/>
           <p:cNvPicPr/>
           <p:nvPr/>
         </p:nvPicPr>
         <p:blipFill>
-          <a:blip r:embed="rId4"/>
+          <a:blip r:embed="rId16"/>
           <a:stretch/>
         </p:blipFill>
         <p:spPr>
@@ -1648,13 +1838,20 @@
           </a:ln>
         </p:spPr>
         <p:style>
-          <a:lnRef idx="0"/>
-          <a:fillRef idx="0"/>
-          <a:effectRef idx="0"/>
+          <a:lnRef idx="0">
+            <a:scrgbClr r="0" g="0" b="0"/>
+          </a:lnRef>
+          <a:fillRef idx="0">
+            <a:scrgbClr r="0" g="0" b="0"/>
+          </a:fillRef>
+          <a:effectRef idx="0">
+            <a:scrgbClr r="0" g="0" b="0"/>
+          </a:effectRef>
           <a:fontRef idx="minor"/>
         </p:style>
         <p:txBody>
-          <a:bodyPr lIns="90000" rIns="90000" tIns="45000" bIns="45000"/>
+          <a:bodyPr lIns="90000" tIns="45000" rIns="90000" bIns="45000"/>
+          <a:lstStyle/>
           <a:p>
             <a:pPr>
               <a:lnSpc>
@@ -1665,15 +1862,15 @@
               </a:spcBef>
             </a:pPr>
             <a:r>
-              <a:rPr b="1" lang="en-US" sz="1800" spc="-1" strike="noStrike">
+              <a:rPr lang="en-US" sz="1800" b="1" strike="noStrike" spc="-1">
                 <a:solidFill>
-                  <a:srgbClr val="ffffff"/>
+                  <a:srgbClr val="FFFFFF"/>
                 </a:solidFill>
                 <a:latin typeface="Georgia"/>
               </a:rPr>
               <a:t>Supported By: </a:t>
             </a:r>
-            <a:endParaRPr b="0" lang="en-US" sz="1800" spc="-1" strike="noStrike">
+            <a:endParaRPr lang="en-US" sz="1800" b="0" strike="noStrike" spc="-1">
               <a:latin typeface="Arial"/>
             </a:endParaRPr>
           </a:p>
@@ -1681,12 +1878,12 @@
       </p:sp>
       <p:pic>
         <p:nvPicPr>
-          <p:cNvPr id="7" name="Picture 12" descr=""/>
+          <p:cNvPr id="7" name="Picture 12"/>
           <p:cNvPicPr/>
           <p:nvPr/>
         </p:nvPicPr>
         <p:blipFill>
-          <a:blip r:embed="rId5"/>
+          <a:blip r:embed="rId17"/>
           <a:stretch/>
         </p:blipFill>
         <p:spPr>
@@ -1709,12 +1906,12 @@
       </p:pic>
       <p:pic>
         <p:nvPicPr>
-          <p:cNvPr id="8" name="Picture 14" descr=""/>
+          <p:cNvPr id="8" name="Picture 14"/>
           <p:cNvPicPr/>
           <p:nvPr/>
         </p:nvPicPr>
         <p:blipFill>
-          <a:blip r:embed="rId6"/>
+          <a:blip r:embed="rId18"/>
           <a:stretch/>
         </p:blipFill>
         <p:spPr>
@@ -1750,13 +1947,20 @@
           </a:ln>
         </p:spPr>
         <p:style>
-          <a:lnRef idx="0"/>
-          <a:fillRef idx="0"/>
-          <a:effectRef idx="0"/>
+          <a:lnRef idx="0">
+            <a:scrgbClr r="0" g="0" b="0"/>
+          </a:lnRef>
+          <a:fillRef idx="0">
+            <a:scrgbClr r="0" g="0" b="0"/>
+          </a:fillRef>
+          <a:effectRef idx="0">
+            <a:scrgbClr r="0" g="0" b="0"/>
+          </a:effectRef>
           <a:fontRef idx="minor"/>
         </p:style>
         <p:txBody>
-          <a:bodyPr lIns="90000" rIns="90000" tIns="45000" bIns="45000"/>
+          <a:bodyPr lIns="90000" tIns="45000" rIns="90000" bIns="45000"/>
+          <a:lstStyle/>
           <a:p>
             <a:pPr>
               <a:lnSpc>
@@ -1767,9 +1971,9 @@
               </a:spcBef>
             </a:pPr>
             <a:r>
-              <a:rPr b="0" lang="en-US" sz="1200" spc="-1" strike="noStrike">
+              <a:rPr lang="en-US" sz="1200" b="0" strike="noStrike" spc="-1">
                 <a:solidFill>
-                  <a:srgbClr val="ffffff"/>
+                  <a:srgbClr val="FFFFFF"/>
                 </a:solidFill>
                 <a:latin typeface="Georgia"/>
               </a:rPr>
@@ -1777,15 +1981,15 @@
             </a:r>
             <a:br/>
             <a:r>
-              <a:rPr b="0" lang="en-US" sz="1200" spc="-1" strike="noStrike">
+              <a:rPr lang="en-US" sz="1200" b="0" strike="noStrike" spc="-1">
                 <a:solidFill>
-                  <a:srgbClr val="ffffff"/>
+                  <a:srgbClr val="FFFFFF"/>
                 </a:solidFill>
                 <a:latin typeface="Georgia"/>
               </a:rPr>
               <a:t>National Science Foundation under Grant No. 1847892</a:t>
             </a:r>
-            <a:endParaRPr b="0" lang="en-US" sz="1200" spc="-1" strike="noStrike">
+            <a:endParaRPr lang="en-US" sz="1200" b="0" strike="noStrike" spc="-1">
               <a:latin typeface="Arial"/>
             </a:endParaRPr>
           </a:p>
@@ -1811,7 +2015,8 @@
           </a:prstGeom>
         </p:spPr>
         <p:txBody>
-          <a:bodyPr lIns="120240" rIns="120240" tIns="60120" bIns="60120"/>
+          <a:bodyPr lIns="120240" tIns="60120" rIns="120240" bIns="60120"/>
+          <a:lstStyle/>
           <a:p>
             <a:pPr>
               <a:lnSpc>
@@ -1819,7 +2024,7 @@
               </a:lnSpc>
             </a:pPr>
             <a:r>
-              <a:rPr b="0" lang="sv-SE" sz="9500" spc="-1" strike="noStrike">
+              <a:rPr lang="sv-SE" sz="9500" b="0" strike="noStrike" spc="-1">
                 <a:solidFill>
                   <a:srgbClr val="000000"/>
                 </a:solidFill>
@@ -1827,7 +2032,7 @@
               </a:rPr>
               <a:t>Click to edit Master title style</a:t>
             </a:r>
-            <a:endParaRPr b="0" lang="sv-SE" sz="9500" spc="-1" strike="noStrike">
+            <a:endParaRPr lang="sv-SE" sz="9500" b="0" strike="noStrike" spc="-1">
               <a:solidFill>
                 <a:srgbClr val="000000"/>
               </a:solidFill>
@@ -1861,9 +2066,15 @@
           </a:ln>
         </p:spPr>
         <p:style>
-          <a:lnRef idx="0"/>
-          <a:fillRef idx="0"/>
-          <a:effectRef idx="0"/>
+          <a:lnRef idx="0">
+            <a:scrgbClr r="0" g="0" b="0"/>
+          </a:lnRef>
+          <a:fillRef idx="0">
+            <a:scrgbClr r="0" g="0" b="0"/>
+          </a:fillRef>
+          <a:effectRef idx="0">
+            <a:scrgbClr r="0" g="0" b="0"/>
+          </a:effectRef>
           <a:fontRef idx="minor"/>
         </p:style>
       </p:sp>
@@ -1892,9 +2103,15 @@
           </a:ln>
         </p:spPr>
         <p:style>
-          <a:lnRef idx="0"/>
-          <a:fillRef idx="0"/>
-          <a:effectRef idx="0"/>
+          <a:lnRef idx="0">
+            <a:scrgbClr r="0" g="0" b="0"/>
+          </a:lnRef>
+          <a:fillRef idx="0">
+            <a:scrgbClr r="0" g="0" b="0"/>
+          </a:fillRef>
+          <a:effectRef idx="0">
+            <a:scrgbClr r="0" g="0" b="0"/>
+          </a:effectRef>
           <a:fontRef idx="minor"/>
         </p:style>
       </p:sp>
@@ -1923,9 +2140,15 @@
           </a:ln>
         </p:spPr>
         <p:style>
-          <a:lnRef idx="0"/>
-          <a:fillRef idx="0"/>
-          <a:effectRef idx="0"/>
+          <a:lnRef idx="0">
+            <a:scrgbClr r="0" g="0" b="0"/>
+          </a:lnRef>
+          <a:fillRef idx="0">
+            <a:scrgbClr r="0" g="0" b="0"/>
+          </a:fillRef>
+          <a:effectRef idx="0">
+            <a:scrgbClr r="0" g="0" b="0"/>
+          </a:effectRef>
           <a:fontRef idx="minor"/>
         </p:style>
       </p:sp>
@@ -1954,9 +2177,15 @@
           </a:ln>
         </p:spPr>
         <p:style>
-          <a:lnRef idx="0"/>
-          <a:fillRef idx="0"/>
-          <a:effectRef idx="0"/>
+          <a:lnRef idx="0">
+            <a:scrgbClr r="0" g="0" b="0"/>
+          </a:lnRef>
+          <a:fillRef idx="0">
+            <a:scrgbClr r="0" g="0" b="0"/>
+          </a:fillRef>
+          <a:effectRef idx="0">
+            <a:scrgbClr r="0" g="0" b="0"/>
+          </a:effectRef>
           <a:fontRef idx="minor"/>
         </p:style>
       </p:sp>
@@ -1985,9 +2214,15 @@
           </a:ln>
         </p:spPr>
         <p:style>
-          <a:lnRef idx="0"/>
-          <a:fillRef idx="0"/>
-          <a:effectRef idx="0"/>
+          <a:lnRef idx="0">
+            <a:scrgbClr r="0" g="0" b="0"/>
+          </a:lnRef>
+          <a:fillRef idx="0">
+            <a:scrgbClr r="0" g="0" b="0"/>
+          </a:fillRef>
+          <a:effectRef idx="0">
+            <a:scrgbClr r="0" g="0" b="0"/>
+          </a:effectRef>
           <a:fontRef idx="minor"/>
         </p:style>
       </p:sp>
@@ -2011,7 +2246,8 @@
           </a:prstGeom>
         </p:spPr>
         <p:txBody>
-          <a:bodyPr lIns="360000" rIns="360000" tIns="72000" bIns="180000"/>
+          <a:bodyPr lIns="360000" tIns="72000" rIns="360000" bIns="180000"/>
+          <a:lstStyle/>
           <a:p>
             <a:pPr marL="432000" indent="-324000">
               <a:spcBef>
@@ -2025,7 +2261,7 @@
               <a:buChar char=""/>
             </a:pPr>
             <a:r>
-              <a:rPr b="1" lang="sv-SE" sz="4500" spc="-1" strike="noStrike">
+              <a:rPr lang="sv-SE" sz="4500" b="1" strike="noStrike" spc="-1">
                 <a:solidFill>
                   <a:srgbClr val="000000"/>
                 </a:solidFill>
@@ -2033,15 +2269,9 @@
               </a:rPr>
               <a:t>Click to edit the outline text format</a:t>
             </a:r>
-            <a:endParaRPr b="1" lang="sv-SE" sz="4500" spc="-1" strike="noStrike">
-              <a:solidFill>
-                <a:srgbClr val="000000"/>
-              </a:solidFill>
-              <a:latin typeface="Georgia"/>
-            </a:endParaRPr>
-          </a:p>
-          <a:p>
-            <a:pPr lvl="1" marL="864000" indent="-324000">
+          </a:p>
+          <a:p>
+            <a:pPr marL="864000" lvl="1" indent="-324000">
               <a:spcBef>
                 <a:spcPts val="1134"/>
               </a:spcBef>
@@ -2053,7 +2283,7 @@
               <a:buChar char=""/>
             </a:pPr>
             <a:r>
-              <a:rPr b="0" i="1" lang="sv-SE" sz="4500" spc="-1" strike="noStrike">
+              <a:rPr lang="sv-SE" sz="4500" b="0" i="1" strike="noStrike" spc="-1">
                 <a:solidFill>
                   <a:srgbClr val="000000"/>
                 </a:solidFill>
@@ -2061,15 +2291,9 @@
               </a:rPr>
               <a:t>Second Outline Level</a:t>
             </a:r>
-            <a:endParaRPr b="0" i="1" lang="sv-SE" sz="4500" spc="-1" strike="noStrike">
-              <a:solidFill>
-                <a:srgbClr val="000000"/>
-              </a:solidFill>
-              <a:latin typeface="Arial"/>
-            </a:endParaRPr>
-          </a:p>
-          <a:p>
-            <a:pPr lvl="2" marL="1296000" indent="-288000">
+          </a:p>
+          <a:p>
+            <a:pPr marL="1296000" lvl="2" indent="-288000">
               <a:spcBef>
                 <a:spcPts val="850"/>
               </a:spcBef>
@@ -2081,7 +2305,7 @@
               <a:buChar char=""/>
             </a:pPr>
             <a:r>
-              <a:rPr b="0" lang="sv-SE" sz="4500" spc="-1" strike="noStrike">
+              <a:rPr lang="sv-SE" sz="4500" b="0" strike="noStrike" spc="-1">
                 <a:solidFill>
                   <a:srgbClr val="000000"/>
                 </a:solidFill>
@@ -2089,15 +2313,9 @@
               </a:rPr>
               <a:t>Third Outline Level</a:t>
             </a:r>
-            <a:endParaRPr b="0" lang="sv-SE" sz="4500" spc="-1" strike="noStrike">
-              <a:solidFill>
-                <a:srgbClr val="000000"/>
-              </a:solidFill>
-              <a:latin typeface="Arial"/>
-            </a:endParaRPr>
-          </a:p>
-          <a:p>
-            <a:pPr lvl="3" marL="1728000" indent="-216000">
+          </a:p>
+          <a:p>
+            <a:pPr marL="1728000" lvl="3" indent="-216000">
               <a:spcBef>
                 <a:spcPts val="567"/>
               </a:spcBef>
@@ -2109,7 +2327,7 @@
               <a:buChar char=""/>
             </a:pPr>
             <a:r>
-              <a:rPr b="0" lang="sv-SE" sz="4500" spc="-1" strike="noStrike">
+              <a:rPr lang="sv-SE" sz="4500" b="0" strike="noStrike" spc="-1">
                 <a:solidFill>
                   <a:srgbClr val="000000"/>
                 </a:solidFill>
@@ -2117,15 +2335,9 @@
               </a:rPr>
               <a:t>Fourth Outline Level</a:t>
             </a:r>
-            <a:endParaRPr b="0" lang="sv-SE" sz="4500" spc="-1" strike="noStrike">
-              <a:solidFill>
-                <a:srgbClr val="000000"/>
-              </a:solidFill>
-              <a:latin typeface="Arial"/>
-            </a:endParaRPr>
-          </a:p>
-          <a:p>
-            <a:pPr lvl="4" marL="2160000" indent="-216000">
+          </a:p>
+          <a:p>
+            <a:pPr marL="2160000" lvl="4" indent="-216000">
               <a:spcBef>
                 <a:spcPts val="283"/>
               </a:spcBef>
@@ -2137,7 +2349,7 @@
               <a:buChar char=""/>
             </a:pPr>
             <a:r>
-              <a:rPr b="0" lang="sv-SE" sz="4500" spc="-1" strike="noStrike">
+              <a:rPr lang="sv-SE" sz="4500" b="0" strike="noStrike" spc="-1">
                 <a:solidFill>
                   <a:srgbClr val="000000"/>
                 </a:solidFill>
@@ -2145,15 +2357,9 @@
               </a:rPr>
               <a:t>Fifth Outline Level</a:t>
             </a:r>
-            <a:endParaRPr b="0" lang="sv-SE" sz="4500" spc="-1" strike="noStrike">
-              <a:solidFill>
-                <a:srgbClr val="000000"/>
-              </a:solidFill>
-              <a:latin typeface="Arial"/>
-            </a:endParaRPr>
-          </a:p>
-          <a:p>
-            <a:pPr lvl="5" marL="2592000" indent="-216000">
+          </a:p>
+          <a:p>
+            <a:pPr marL="2592000" lvl="5" indent="-216000">
               <a:spcBef>
                 <a:spcPts val="283"/>
               </a:spcBef>
@@ -2165,7 +2371,7 @@
               <a:buChar char=""/>
             </a:pPr>
             <a:r>
-              <a:rPr b="0" lang="sv-SE" sz="4500" spc="-1" strike="noStrike">
+              <a:rPr lang="sv-SE" sz="4500" b="0" strike="noStrike" spc="-1">
                 <a:solidFill>
                   <a:srgbClr val="000000"/>
                 </a:solidFill>
@@ -2173,15 +2379,9 @@
               </a:rPr>
               <a:t>Sixth Outline Level</a:t>
             </a:r>
-            <a:endParaRPr b="0" lang="sv-SE" sz="4500" spc="-1" strike="noStrike">
-              <a:solidFill>
-                <a:srgbClr val="000000"/>
-              </a:solidFill>
-              <a:latin typeface="Arial"/>
-            </a:endParaRPr>
-          </a:p>
-          <a:p>
-            <a:pPr lvl="6" marL="3024000" indent="-216000">
+          </a:p>
+          <a:p>
+            <a:pPr marL="3024000" lvl="6" indent="-216000">
               <a:spcBef>
                 <a:spcPts val="283"/>
               </a:spcBef>
@@ -2193,7 +2393,7 @@
               <a:buChar char=""/>
             </a:pPr>
             <a:r>
-              <a:rPr b="0" lang="sv-SE" sz="4500" spc="-1" strike="noStrike">
+              <a:rPr lang="sv-SE" sz="4500" b="0" strike="noStrike" spc="-1">
                 <a:solidFill>
                   <a:srgbClr val="000000"/>
                 </a:solidFill>
@@ -2201,12 +2401,6 @@
               </a:rPr>
               <a:t>Seventh Outline Level</a:t>
             </a:r>
-            <a:endParaRPr b="0" lang="sv-SE" sz="4500" spc="-1" strike="noStrike">
-              <a:solidFill>
-                <a:srgbClr val="000000"/>
-              </a:solidFill>
-              <a:latin typeface="Arial"/>
-            </a:endParaRPr>
           </a:p>
         </p:txBody>
       </p:sp>
@@ -2230,7 +2424,8 @@
           </a:prstGeom>
         </p:spPr>
         <p:txBody>
-          <a:bodyPr lIns="458280" rIns="458280" tIns="229320" bIns="229320" anchor="ctr"/>
+          <a:bodyPr lIns="458280" tIns="229320" rIns="458280" bIns="229320" anchor="ctr"/>
+          <a:lstStyle/>
           <a:p>
             <a:pPr algn="r">
               <a:lnSpc>
@@ -2241,15 +2436,15 @@
               </a:spcBef>
             </a:pPr>
             <a:r>
-              <a:rPr b="1" lang="sv-SE" sz="5800" spc="-1" strike="noStrike">
+              <a:rPr lang="sv-SE" sz="5800" b="1" strike="noStrike" spc="-1">
                 <a:solidFill>
-                  <a:srgbClr val="ffffff"/>
+                  <a:srgbClr val="FFFFFF"/>
                 </a:solidFill>
                 <a:latin typeface="Trebuchet MS"/>
               </a:rPr>
               <a:t>Click to section title (44pt, bold, headings font)</a:t>
             </a:r>
-            <a:endParaRPr b="1" lang="sv-SE" sz="5800" spc="-1" strike="noStrike">
+            <a:endParaRPr lang="sv-SE" sz="5800" b="1" strike="noStrike" spc="-1">
               <a:solidFill>
                 <a:srgbClr val="000000"/>
               </a:solidFill>
@@ -2278,7 +2473,8 @@
           </a:prstGeom>
         </p:spPr>
         <p:txBody>
-          <a:bodyPr lIns="458280" rIns="458280" tIns="229320" bIns="229320"/>
+          <a:bodyPr lIns="458280" tIns="229320" rIns="458280" bIns="229320"/>
+          <a:lstStyle/>
           <a:p>
             <a:pPr>
               <a:lnSpc>
@@ -2289,7 +2485,7 @@
               </a:spcBef>
             </a:pPr>
             <a:r>
-              <a:rPr b="0" lang="sv-SE" sz="4700" spc="-1" strike="noStrike">
+              <a:rPr lang="sv-SE" sz="4700" b="0" strike="noStrike" spc="-1">
                 <a:solidFill>
                   <a:srgbClr val="000000"/>
                 </a:solidFill>
@@ -2297,7 +2493,7 @@
               </a:rPr>
               <a:t>Click to add text (36pt, regular)</a:t>
             </a:r>
-            <a:endParaRPr b="1" lang="sv-SE" sz="4700" spc="-1" strike="noStrike">
+            <a:endParaRPr lang="sv-SE" sz="4700" b="1" strike="noStrike" spc="-1">
               <a:solidFill>
                 <a:srgbClr val="000000"/>
               </a:solidFill>
@@ -2326,7 +2522,8 @@
           </a:prstGeom>
         </p:spPr>
         <p:txBody>
-          <a:bodyPr lIns="360000" rIns="360000" tIns="72000" bIns="180000"/>
+          <a:bodyPr lIns="360000" tIns="72000" rIns="360000" bIns="180000"/>
+          <a:lstStyle/>
           <a:p>
             <a:pPr marL="432000" indent="-324000">
               <a:spcBef>
@@ -2340,7 +2537,7 @@
               <a:buChar char=""/>
             </a:pPr>
             <a:r>
-              <a:rPr b="1" lang="sv-SE" sz="4500" spc="-1" strike="noStrike">
+              <a:rPr lang="sv-SE" sz="4500" b="1" strike="noStrike" spc="-1">
                 <a:solidFill>
                   <a:srgbClr val="000000"/>
                 </a:solidFill>
@@ -2348,15 +2545,9 @@
               </a:rPr>
               <a:t>Click to edit the outline text format</a:t>
             </a:r>
-            <a:endParaRPr b="1" lang="sv-SE" sz="4500" spc="-1" strike="noStrike">
-              <a:solidFill>
-                <a:srgbClr val="000000"/>
-              </a:solidFill>
-              <a:latin typeface="Georgia"/>
-            </a:endParaRPr>
-          </a:p>
-          <a:p>
-            <a:pPr lvl="1" marL="864000" indent="-324000">
+          </a:p>
+          <a:p>
+            <a:pPr marL="864000" lvl="1" indent="-324000">
               <a:spcBef>
                 <a:spcPts val="1134"/>
               </a:spcBef>
@@ -2368,7 +2559,7 @@
               <a:buChar char=""/>
             </a:pPr>
             <a:r>
-              <a:rPr b="0" i="1" lang="sv-SE" sz="4500" spc="-1" strike="noStrike">
+              <a:rPr lang="sv-SE" sz="4500" b="0" i="1" strike="noStrike" spc="-1">
                 <a:solidFill>
                   <a:srgbClr val="000000"/>
                 </a:solidFill>
@@ -2376,15 +2567,9 @@
               </a:rPr>
               <a:t>Second Outline Level</a:t>
             </a:r>
-            <a:endParaRPr b="0" i="1" lang="sv-SE" sz="4500" spc="-1" strike="noStrike">
-              <a:solidFill>
-                <a:srgbClr val="000000"/>
-              </a:solidFill>
-              <a:latin typeface="Arial"/>
-            </a:endParaRPr>
-          </a:p>
-          <a:p>
-            <a:pPr lvl="2" marL="1296000" indent="-288000">
+          </a:p>
+          <a:p>
+            <a:pPr marL="1296000" lvl="2" indent="-288000">
               <a:spcBef>
                 <a:spcPts val="850"/>
               </a:spcBef>
@@ -2396,7 +2581,7 @@
               <a:buChar char=""/>
             </a:pPr>
             <a:r>
-              <a:rPr b="0" lang="sv-SE" sz="4500" spc="-1" strike="noStrike">
+              <a:rPr lang="sv-SE" sz="4500" b="0" strike="noStrike" spc="-1">
                 <a:solidFill>
                   <a:srgbClr val="000000"/>
                 </a:solidFill>
@@ -2404,15 +2589,9 @@
               </a:rPr>
               <a:t>Third Outline Level</a:t>
             </a:r>
-            <a:endParaRPr b="0" lang="sv-SE" sz="4500" spc="-1" strike="noStrike">
-              <a:solidFill>
-                <a:srgbClr val="000000"/>
-              </a:solidFill>
-              <a:latin typeface="Arial"/>
-            </a:endParaRPr>
-          </a:p>
-          <a:p>
-            <a:pPr lvl="3" marL="1728000" indent="-216000">
+          </a:p>
+          <a:p>
+            <a:pPr marL="1728000" lvl="3" indent="-216000">
               <a:spcBef>
                 <a:spcPts val="567"/>
               </a:spcBef>
@@ -2424,7 +2603,7 @@
               <a:buChar char=""/>
             </a:pPr>
             <a:r>
-              <a:rPr b="0" lang="sv-SE" sz="4500" spc="-1" strike="noStrike">
+              <a:rPr lang="sv-SE" sz="4500" b="0" strike="noStrike" spc="-1">
                 <a:solidFill>
                   <a:srgbClr val="000000"/>
                 </a:solidFill>
@@ -2432,15 +2611,9 @@
               </a:rPr>
               <a:t>Fourth Outline Level</a:t>
             </a:r>
-            <a:endParaRPr b="0" lang="sv-SE" sz="4500" spc="-1" strike="noStrike">
-              <a:solidFill>
-                <a:srgbClr val="000000"/>
-              </a:solidFill>
-              <a:latin typeface="Arial"/>
-            </a:endParaRPr>
-          </a:p>
-          <a:p>
-            <a:pPr lvl="4" marL="2160000" indent="-216000">
+          </a:p>
+          <a:p>
+            <a:pPr marL="2160000" lvl="4" indent="-216000">
               <a:spcBef>
                 <a:spcPts val="283"/>
               </a:spcBef>
@@ -2452,7 +2625,7 @@
               <a:buChar char=""/>
             </a:pPr>
             <a:r>
-              <a:rPr b="0" lang="sv-SE" sz="4500" spc="-1" strike="noStrike">
+              <a:rPr lang="sv-SE" sz="4500" b="0" strike="noStrike" spc="-1">
                 <a:solidFill>
                   <a:srgbClr val="000000"/>
                 </a:solidFill>
@@ -2460,15 +2633,9 @@
               </a:rPr>
               <a:t>Fifth Outline Level</a:t>
             </a:r>
-            <a:endParaRPr b="0" lang="sv-SE" sz="4500" spc="-1" strike="noStrike">
-              <a:solidFill>
-                <a:srgbClr val="000000"/>
-              </a:solidFill>
-              <a:latin typeface="Arial"/>
-            </a:endParaRPr>
-          </a:p>
-          <a:p>
-            <a:pPr lvl="5" marL="2592000" indent="-216000">
+          </a:p>
+          <a:p>
+            <a:pPr marL="2592000" lvl="5" indent="-216000">
               <a:spcBef>
                 <a:spcPts val="283"/>
               </a:spcBef>
@@ -2480,7 +2647,7 @@
               <a:buChar char=""/>
             </a:pPr>
             <a:r>
-              <a:rPr b="0" lang="sv-SE" sz="4500" spc="-1" strike="noStrike">
+              <a:rPr lang="sv-SE" sz="4500" b="0" strike="noStrike" spc="-1">
                 <a:solidFill>
                   <a:srgbClr val="000000"/>
                 </a:solidFill>
@@ -2488,15 +2655,9 @@
               </a:rPr>
               <a:t>Sixth Outline Level</a:t>
             </a:r>
-            <a:endParaRPr b="0" lang="sv-SE" sz="4500" spc="-1" strike="noStrike">
-              <a:solidFill>
-                <a:srgbClr val="000000"/>
-              </a:solidFill>
-              <a:latin typeface="Arial"/>
-            </a:endParaRPr>
-          </a:p>
-          <a:p>
-            <a:pPr lvl="6" marL="3024000" indent="-216000">
+          </a:p>
+          <a:p>
+            <a:pPr marL="3024000" lvl="6" indent="-216000">
               <a:spcBef>
                 <a:spcPts val="283"/>
               </a:spcBef>
@@ -2508,7 +2669,7 @@
               <a:buChar char=""/>
             </a:pPr>
             <a:r>
-              <a:rPr b="0" lang="sv-SE" sz="4500" spc="-1" strike="noStrike">
+              <a:rPr lang="sv-SE" sz="4500" b="0" strike="noStrike" spc="-1">
                 <a:solidFill>
                   <a:srgbClr val="000000"/>
                 </a:solidFill>
@@ -2516,12 +2677,6 @@
               </a:rPr>
               <a:t>Seventh Outline Level</a:t>
             </a:r>
-            <a:endParaRPr b="0" lang="sv-SE" sz="4500" spc="-1" strike="noStrike">
-              <a:solidFill>
-                <a:srgbClr val="000000"/>
-              </a:solidFill>
-              <a:latin typeface="Arial"/>
-            </a:endParaRPr>
           </a:p>
         </p:txBody>
       </p:sp>
@@ -2545,7 +2700,8 @@
           </a:prstGeom>
         </p:spPr>
         <p:txBody>
-          <a:bodyPr lIns="137160" rIns="137160" tIns="137160" bIns="137160"/>
+          <a:bodyPr lIns="137160" tIns="137160" rIns="137160" bIns="137160"/>
+          <a:lstStyle/>
           <a:p>
             <a:pPr>
               <a:lnSpc>
@@ -2556,15 +2712,15 @@
               </a:spcBef>
             </a:pPr>
             <a:r>
-              <a:rPr b="0" lang="sv-SE" sz="2400" spc="-1" strike="noStrike">
+              <a:rPr lang="sv-SE" sz="2400" b="0" strike="noStrike" spc="-1">
                 <a:solidFill>
-                  <a:srgbClr val="ffffff"/>
+                  <a:srgbClr val="FFFFFF"/>
                 </a:solidFill>
                 <a:latin typeface="Georgia"/>
               </a:rPr>
               <a:t>Click to add text (18 pt, regular)</a:t>
             </a:r>
-            <a:endParaRPr b="1" lang="sv-SE" sz="2400" spc="-1" strike="noStrike">
+            <a:endParaRPr lang="sv-SE" sz="2400" b="1" strike="noStrike" spc="-1">
               <a:solidFill>
                 <a:srgbClr val="000000"/>
               </a:solidFill>
@@ -2593,7 +2749,8 @@
           </a:prstGeom>
         </p:spPr>
         <p:txBody>
-          <a:bodyPr lIns="137160" rIns="137160" tIns="137160" bIns="137160"/>
+          <a:bodyPr lIns="137160" tIns="137160" rIns="137160" bIns="137160"/>
+          <a:lstStyle/>
           <a:p>
             <a:pPr>
               <a:lnSpc>
@@ -2604,15 +2761,15 @@
               </a:spcBef>
             </a:pPr>
             <a:r>
-              <a:rPr b="0" lang="sv-SE" sz="2400" spc="-1" strike="noStrike">
+              <a:rPr lang="sv-SE" sz="2400" b="0" strike="noStrike" spc="-1">
                 <a:solidFill>
-                  <a:srgbClr val="ffffff"/>
+                  <a:srgbClr val="FFFFFF"/>
                 </a:solidFill>
                 <a:latin typeface="Georgia"/>
               </a:rPr>
               <a:t>Click to add text (18 pt, regular)</a:t>
             </a:r>
-            <a:endParaRPr b="1" lang="sv-SE" sz="2400" spc="-1" strike="noStrike">
+            <a:endParaRPr lang="sv-SE" sz="2400" b="1" strike="noStrike" spc="-1">
               <a:solidFill>
                 <a:srgbClr val="000000"/>
               </a:solidFill>
@@ -2641,7 +2798,8 @@
           </a:prstGeom>
         </p:spPr>
         <p:txBody>
-          <a:bodyPr lIns="137160" rIns="137160" tIns="137160" bIns="137160"/>
+          <a:bodyPr lIns="137160" tIns="137160" rIns="137160" bIns="137160"/>
+          <a:lstStyle/>
           <a:p>
             <a:pPr>
               <a:lnSpc>
@@ -2652,15 +2810,15 @@
               </a:spcBef>
             </a:pPr>
             <a:r>
-              <a:rPr b="0" lang="sv-SE" sz="2400" spc="-1" strike="noStrike">
+              <a:rPr lang="sv-SE" sz="2400" b="0" strike="noStrike" spc="-1">
                 <a:solidFill>
-                  <a:srgbClr val="ffffff"/>
+                  <a:srgbClr val="FFFFFF"/>
                 </a:solidFill>
                 <a:latin typeface="Georgia"/>
               </a:rPr>
               <a:t>Click to add text (18 pt, regular)</a:t>
             </a:r>
-            <a:endParaRPr b="1" lang="sv-SE" sz="2400" spc="-1" strike="noStrike">
+            <a:endParaRPr lang="sv-SE" sz="2400" b="1" strike="noStrike" spc="-1">
               <a:solidFill>
                 <a:srgbClr val="000000"/>
               </a:solidFill>
@@ -2689,7 +2847,8 @@
           </a:prstGeom>
         </p:spPr>
         <p:txBody>
-          <a:bodyPr lIns="458280" rIns="458280" tIns="229320" bIns="229320"/>
+          <a:bodyPr lIns="458280" tIns="229320" rIns="458280" bIns="229320"/>
+          <a:lstStyle/>
           <a:p>
             <a:pPr>
               <a:lnSpc>
@@ -2700,7 +2859,7 @@
               </a:spcBef>
             </a:pPr>
             <a:r>
-              <a:rPr b="0" lang="sv-SE" sz="3200" spc="-1" strike="noStrike">
+              <a:rPr lang="sv-SE" sz="3200" b="0" strike="noStrike" spc="-1">
                 <a:solidFill>
                   <a:srgbClr val="000000"/>
                 </a:solidFill>
@@ -2708,7 +2867,7 @@
               </a:rPr>
               <a:t>Click to add authors (28 pt, regular)</a:t>
             </a:r>
-            <a:endParaRPr b="1" lang="sv-SE" sz="3200" spc="-1" strike="noStrike">
+            <a:endParaRPr lang="sv-SE" sz="3200" b="1" strike="noStrike" spc="-1">
               <a:solidFill>
                 <a:srgbClr val="000000"/>
               </a:solidFill>
@@ -2737,7 +2896,8 @@
           </a:prstGeom>
         </p:spPr>
         <p:txBody>
-          <a:bodyPr lIns="458280" rIns="458280" tIns="229320" bIns="229320" anchor="ctr"/>
+          <a:bodyPr lIns="458280" tIns="229320" rIns="458280" bIns="229320" anchor="ctr"/>
+          <a:lstStyle/>
           <a:p>
             <a:pPr algn="r">
               <a:lnSpc>
@@ -2748,15 +2908,15 @@
               </a:spcBef>
             </a:pPr>
             <a:r>
-              <a:rPr b="1" lang="sv-SE" sz="3400" spc="-1" strike="noStrike">
+              <a:rPr lang="sv-SE" sz="3400" b="1" strike="noStrike" spc="-1">
                 <a:solidFill>
-                  <a:srgbClr val="ffffff"/>
+                  <a:srgbClr val="FFFFFF"/>
                 </a:solidFill>
                 <a:latin typeface="Georgia"/>
               </a:rPr>
               <a:t>Click to Add poster# and Conference details</a:t>
             </a:r>
-            <a:endParaRPr b="1" lang="sv-SE" sz="3400" spc="-1" strike="noStrike">
+            <a:endParaRPr lang="sv-SE" sz="3400" b="1" strike="noStrike" spc="-1">
               <a:solidFill>
                 <a:srgbClr val="000000"/>
               </a:solidFill>
@@ -2785,7 +2945,8 @@
           </a:prstGeom>
         </p:spPr>
         <p:txBody>
-          <a:bodyPr lIns="458280" rIns="458280" tIns="229320" bIns="229320"/>
+          <a:bodyPr lIns="458280" tIns="229320" rIns="458280" bIns="229320"/>
+          <a:lstStyle/>
           <a:p>
             <a:pPr>
               <a:lnSpc>
@@ -2796,7 +2957,7 @@
               </a:spcBef>
             </a:pPr>
             <a:r>
-              <a:rPr b="0" lang="sv-SE" sz="4700" spc="-1" strike="noStrike">
+              <a:rPr lang="sv-SE" sz="4700" b="0" strike="noStrike" spc="-1">
                 <a:solidFill>
                   <a:srgbClr val="000000"/>
                 </a:solidFill>
@@ -2804,7 +2965,7 @@
               </a:rPr>
               <a:t>Click to add text (36pt, regular)</a:t>
             </a:r>
-            <a:endParaRPr b="1" lang="sv-SE" sz="4700" spc="-1" strike="noStrike">
+            <a:endParaRPr lang="sv-SE" sz="4700" b="1" strike="noStrike" spc="-1">
               <a:solidFill>
                 <a:srgbClr val="000000"/>
               </a:solidFill>
@@ -2833,7 +2994,8 @@
           </a:prstGeom>
         </p:spPr>
         <p:txBody>
-          <a:bodyPr lIns="458280" rIns="458280" tIns="229320" bIns="229320" anchor="ctr"/>
+          <a:bodyPr lIns="458280" tIns="229320" rIns="458280" bIns="229320" anchor="ctr"/>
+          <a:lstStyle/>
           <a:p>
             <a:pPr>
               <a:lnSpc>
@@ -2844,15 +3006,15 @@
               </a:spcBef>
             </a:pPr>
             <a:r>
-              <a:rPr b="1" lang="sv-SE" sz="5800" spc="-1" strike="noStrike">
+              <a:rPr lang="sv-SE" sz="5800" b="1" strike="noStrike" spc="-1">
                 <a:solidFill>
-                  <a:srgbClr val="ffffff"/>
+                  <a:srgbClr val="FFFFFF"/>
                 </a:solidFill>
                 <a:latin typeface="Trebuchet MS"/>
               </a:rPr>
               <a:t>Click to section title (44pt, bold, headings font)</a:t>
             </a:r>
-            <a:endParaRPr b="1" lang="sv-SE" sz="5800" spc="-1" strike="noStrike">
+            <a:endParaRPr lang="sv-SE" sz="5800" b="1" strike="noStrike" spc="-1">
               <a:solidFill>
                 <a:srgbClr val="000000"/>
               </a:solidFill>
@@ -2881,7 +3043,8 @@
           </a:prstGeom>
         </p:spPr>
         <p:txBody>
-          <a:bodyPr lIns="458280" rIns="458280" tIns="229320" bIns="229320"/>
+          <a:bodyPr lIns="458280" tIns="229320" rIns="458280" bIns="229320"/>
+          <a:lstStyle/>
           <a:p>
             <a:pPr>
               <a:lnSpc>
@@ -2892,7 +3055,7 @@
               </a:spcBef>
             </a:pPr>
             <a:r>
-              <a:rPr b="0" lang="sv-SE" sz="3700" spc="-1" strike="noStrike">
+              <a:rPr lang="sv-SE" sz="3700" b="0" strike="noStrike" spc="-1">
                 <a:solidFill>
                   <a:srgbClr val="000000"/>
                 </a:solidFill>
@@ -2900,7 +3063,7 @@
               </a:rPr>
               <a:t>Click to add caption (26 pt regular)</a:t>
             </a:r>
-            <a:endParaRPr b="1" lang="sv-SE" sz="3700" spc="-1" strike="noStrike">
+            <a:endParaRPr lang="sv-SE" sz="3700" b="1" strike="noStrike" spc="-1">
               <a:solidFill>
                 <a:srgbClr val="000000"/>
               </a:solidFill>
@@ -2929,7 +3092,8 @@
           </a:prstGeom>
         </p:spPr>
         <p:txBody>
-          <a:bodyPr lIns="458280" rIns="458280" tIns="229320" bIns="229320"/>
+          <a:bodyPr lIns="458280" tIns="229320" rIns="458280" bIns="229320"/>
+          <a:lstStyle/>
           <a:p>
             <a:pPr>
               <a:lnSpc>
@@ -2940,7 +3104,7 @@
               </a:spcBef>
             </a:pPr>
             <a:r>
-              <a:rPr b="0" lang="sv-SE" sz="4700" spc="-1" strike="noStrike">
+              <a:rPr lang="sv-SE" sz="4700" b="0" strike="noStrike" spc="-1">
                 <a:solidFill>
                   <a:srgbClr val="000000"/>
                 </a:solidFill>
@@ -2948,7 +3112,7 @@
               </a:rPr>
               <a:t>Click to add text (36pt, regular)</a:t>
             </a:r>
-            <a:endParaRPr b="1" lang="sv-SE" sz="4700" spc="-1" strike="noStrike">
+            <a:endParaRPr lang="sv-SE" sz="4700" b="1" strike="noStrike" spc="-1">
               <a:solidFill>
                 <a:srgbClr val="000000"/>
               </a:solidFill>
@@ -2977,7 +3141,8 @@
           </a:prstGeom>
         </p:spPr>
         <p:txBody>
-          <a:bodyPr lIns="458280" rIns="458280" tIns="229320" bIns="229320"/>
+          <a:bodyPr lIns="458280" tIns="229320" rIns="458280" bIns="229320"/>
+          <a:lstStyle/>
           <a:p>
             <a:pPr>
               <a:lnSpc>
@@ -2988,7 +3153,7 @@
               </a:spcBef>
             </a:pPr>
             <a:r>
-              <a:rPr b="0" lang="sv-SE" sz="4700" spc="-1" strike="noStrike">
+              <a:rPr lang="sv-SE" sz="4700" b="0" strike="noStrike" spc="-1">
                 <a:solidFill>
                   <a:srgbClr val="000000"/>
                 </a:solidFill>
@@ -2996,7 +3161,7 @@
               </a:rPr>
               <a:t>Click to add text (36pt, regular)</a:t>
             </a:r>
-            <a:endParaRPr b="1" lang="sv-SE" sz="4700" spc="-1" strike="noStrike">
+            <a:endParaRPr lang="sv-SE" sz="4700" b="1" strike="noStrike" spc="-1">
               <a:solidFill>
                 <a:srgbClr val="000000"/>
               </a:solidFill>
@@ -3025,7 +3190,8 @@
           </a:prstGeom>
         </p:spPr>
         <p:txBody>
-          <a:bodyPr lIns="458280" rIns="458280" tIns="229320" bIns="229320"/>
+          <a:bodyPr lIns="458280" tIns="229320" rIns="458280" bIns="229320"/>
+          <a:lstStyle/>
           <a:p>
             <a:pPr>
               <a:lnSpc>
@@ -3036,7 +3202,7 @@
               </a:spcBef>
             </a:pPr>
             <a:r>
-              <a:rPr b="0" lang="sv-SE" sz="4700" spc="-1" strike="noStrike">
+              <a:rPr lang="sv-SE" sz="4700" b="0" strike="noStrike" spc="-1">
                 <a:solidFill>
                   <a:srgbClr val="000000"/>
                 </a:solidFill>
@@ -3044,7 +3210,7 @@
               </a:rPr>
               <a:t>Click to add text (36pt, regular)</a:t>
             </a:r>
-            <a:endParaRPr b="1" lang="sv-SE" sz="4700" spc="-1" strike="noStrike">
+            <a:endParaRPr lang="sv-SE" sz="4700" b="1" strike="noStrike" spc="-1">
               <a:solidFill>
                 <a:srgbClr val="000000"/>
               </a:solidFill>
@@ -3073,7 +3239,8 @@
           </a:prstGeom>
         </p:spPr>
         <p:txBody>
-          <a:bodyPr lIns="458280" rIns="458280" tIns="229320" bIns="229320"/>
+          <a:bodyPr lIns="458280" tIns="229320" rIns="458280" bIns="229320"/>
+          <a:lstStyle/>
           <a:p>
             <a:pPr>
               <a:lnSpc>
@@ -3084,7 +3251,7 @@
               </a:spcBef>
             </a:pPr>
             <a:r>
-              <a:rPr b="0" lang="sv-SE" sz="4700" spc="-1" strike="noStrike">
+              <a:rPr lang="sv-SE" sz="4700" b="0" strike="noStrike" spc="-1">
                 <a:solidFill>
                   <a:srgbClr val="000000"/>
                 </a:solidFill>
@@ -3092,7 +3259,7 @@
               </a:rPr>
               <a:t>Click to add text (36pt, regular)</a:t>
             </a:r>
-            <a:endParaRPr b="1" lang="sv-SE" sz="4700" spc="-1" strike="noStrike">
+            <a:endParaRPr lang="sv-SE" sz="4700" b="1" strike="noStrike" spc="-1">
               <a:solidFill>
                 <a:srgbClr val="000000"/>
               </a:solidFill>
@@ -3121,7 +3288,8 @@
           </a:prstGeom>
         </p:spPr>
         <p:txBody>
-          <a:bodyPr lIns="458280" rIns="458280" tIns="229320" bIns="229320"/>
+          <a:bodyPr lIns="458280" tIns="229320" rIns="458280" bIns="229320"/>
+          <a:lstStyle/>
           <a:p>
             <a:pPr>
               <a:lnSpc>
@@ -3132,7 +3300,7 @@
               </a:spcBef>
             </a:pPr>
             <a:r>
-              <a:rPr b="0" lang="sv-SE" sz="4700" spc="-1" strike="noStrike">
+              <a:rPr lang="sv-SE" sz="4700" b="0" strike="noStrike" spc="-1">
                 <a:solidFill>
                   <a:srgbClr val="000000"/>
                 </a:solidFill>
@@ -3140,7 +3308,7 @@
               </a:rPr>
               <a:t>Click to add text (36pt, regular)</a:t>
             </a:r>
-            <a:endParaRPr b="1" lang="sv-SE" sz="4700" spc="-1" strike="noStrike">
+            <a:endParaRPr lang="sv-SE" sz="4700" b="1" strike="noStrike" spc="-1">
               <a:solidFill>
                 <a:srgbClr val="000000"/>
               </a:solidFill>
@@ -3169,7 +3337,8 @@
           </a:prstGeom>
         </p:spPr>
         <p:txBody>
-          <a:bodyPr lIns="458280" rIns="458280" tIns="229320" bIns="229320"/>
+          <a:bodyPr lIns="458280" tIns="229320" rIns="458280" bIns="229320"/>
+          <a:lstStyle/>
           <a:p>
             <a:pPr>
               <a:lnSpc>
@@ -3180,7 +3349,7 @@
               </a:spcBef>
             </a:pPr>
             <a:r>
-              <a:rPr b="0" lang="sv-SE" sz="3700" spc="-1" strike="noStrike">
+              <a:rPr lang="sv-SE" sz="3700" b="0" strike="noStrike" spc="-1">
                 <a:solidFill>
                   <a:srgbClr val="000000"/>
                 </a:solidFill>
@@ -3188,7 +3357,7 @@
               </a:rPr>
               <a:t>Click to add caption (26 pt regular)</a:t>
             </a:r>
-            <a:endParaRPr b="1" lang="sv-SE" sz="3700" spc="-1" strike="noStrike">
+            <a:endParaRPr lang="sv-SE" sz="3700" b="1" strike="noStrike" spc="-1">
               <a:solidFill>
                 <a:srgbClr val="000000"/>
               </a:solidFill>
@@ -3217,7 +3386,8 @@
           </a:prstGeom>
         </p:spPr>
         <p:txBody>
-          <a:bodyPr lIns="458280" rIns="458280" tIns="229320" bIns="229320" anchor="ctr"/>
+          <a:bodyPr lIns="458280" tIns="229320" rIns="458280" bIns="229320" anchor="ctr"/>
+          <a:lstStyle/>
           <a:p>
             <a:pPr>
               <a:lnSpc>
@@ -3228,15 +3398,15 @@
               </a:spcBef>
             </a:pPr>
             <a:r>
-              <a:rPr b="1" lang="sv-SE" sz="5800" spc="-1" strike="noStrike">
+              <a:rPr lang="sv-SE" sz="5800" b="1" strike="noStrike" spc="-1">
                 <a:solidFill>
-                  <a:srgbClr val="ffffff"/>
+                  <a:srgbClr val="FFFFFF"/>
                 </a:solidFill>
                 <a:latin typeface="Trebuchet MS"/>
               </a:rPr>
               <a:t>Click to section title (44pt, bold, headings font)</a:t>
             </a:r>
-            <a:endParaRPr b="1" lang="sv-SE" sz="5800" spc="-1" strike="noStrike">
+            <a:endParaRPr lang="sv-SE" sz="5800" b="1" strike="noStrike" spc="-1">
               <a:solidFill>
                 <a:srgbClr val="000000"/>
               </a:solidFill>
@@ -3265,7 +3435,8 @@
           </a:prstGeom>
         </p:spPr>
         <p:txBody>
-          <a:bodyPr lIns="458280" rIns="458280" tIns="229320" bIns="229320" anchor="ctr"/>
+          <a:bodyPr lIns="458280" tIns="229320" rIns="458280" bIns="229320" anchor="ctr"/>
+          <a:lstStyle/>
           <a:p>
             <a:pPr>
               <a:lnSpc>
@@ -3276,15 +3447,15 @@
               </a:spcBef>
             </a:pPr>
             <a:r>
-              <a:rPr b="1" lang="sv-SE" sz="5800" spc="-1" strike="noStrike">
+              <a:rPr lang="sv-SE" sz="5800" b="1" strike="noStrike" spc="-1">
                 <a:solidFill>
-                  <a:srgbClr val="ffffff"/>
+                  <a:srgbClr val="FFFFFF"/>
                 </a:solidFill>
                 <a:latin typeface="Trebuchet MS"/>
               </a:rPr>
               <a:t>Click to section title (44pt, bold, headings font)</a:t>
             </a:r>
-            <a:endParaRPr b="1" lang="sv-SE" sz="5800" spc="-1" strike="noStrike">
+            <a:endParaRPr lang="sv-SE" sz="5800" b="1" strike="noStrike" spc="-1">
               <a:solidFill>
                 <a:srgbClr val="000000"/>
               </a:solidFill>
@@ -3313,7 +3484,8 @@
           </a:prstGeom>
         </p:spPr>
         <p:txBody>
-          <a:bodyPr lIns="458280" rIns="458280" tIns="229320" bIns="229320" anchor="ctr"/>
+          <a:bodyPr lIns="458280" tIns="229320" rIns="458280" bIns="229320" anchor="ctr"/>
+          <a:lstStyle/>
           <a:p>
             <a:pPr>
               <a:lnSpc>
@@ -3324,15 +3496,15 @@
               </a:spcBef>
             </a:pPr>
             <a:r>
-              <a:rPr b="1" lang="sv-SE" sz="5800" spc="-1" strike="noStrike">
+              <a:rPr lang="sv-SE" sz="5800" b="1" strike="noStrike" spc="-1">
                 <a:solidFill>
-                  <a:srgbClr val="ffffff"/>
+                  <a:srgbClr val="FFFFFF"/>
                 </a:solidFill>
                 <a:latin typeface="Trebuchet MS"/>
               </a:rPr>
               <a:t>Click to section title (44pt, bold, headings font)</a:t>
             </a:r>
-            <a:endParaRPr b="1" lang="sv-SE" sz="5800" spc="-1" strike="noStrike">
+            <a:endParaRPr lang="sv-SE" sz="5800" b="1" strike="noStrike" spc="-1">
               <a:solidFill>
                 <a:srgbClr val="000000"/>
               </a:solidFill>
@@ -3361,7 +3533,8 @@
           </a:prstGeom>
         </p:spPr>
         <p:txBody>
-          <a:bodyPr lIns="458280" rIns="458280" tIns="229320" bIns="229320" anchor="ctr"/>
+          <a:bodyPr lIns="458280" tIns="229320" rIns="458280" bIns="229320" anchor="ctr"/>
+          <a:lstStyle/>
           <a:p>
             <a:pPr>
               <a:lnSpc>
@@ -3372,15 +3545,15 @@
               </a:spcBef>
             </a:pPr>
             <a:r>
-              <a:rPr b="1" lang="sv-SE" sz="5800" spc="-1" strike="noStrike">
+              <a:rPr lang="sv-SE" sz="5800" b="1" strike="noStrike" spc="-1">
                 <a:solidFill>
-                  <a:srgbClr val="ffffff"/>
+                  <a:srgbClr val="FFFFFF"/>
                 </a:solidFill>
                 <a:latin typeface="Trebuchet MS"/>
               </a:rPr>
               <a:t>Click to section title (44pt, bold, headings font)</a:t>
             </a:r>
-            <a:endParaRPr b="1" lang="sv-SE" sz="5800" spc="-1" strike="noStrike">
+            <a:endParaRPr lang="sv-SE" sz="5800" b="1" strike="noStrike" spc="-1">
               <a:solidFill>
                 <a:srgbClr val="000000"/>
               </a:solidFill>
@@ -3409,7 +3582,8 @@
           </a:prstGeom>
         </p:spPr>
         <p:txBody>
-          <a:bodyPr lIns="458280" rIns="458280" tIns="229320" bIns="229320" anchor="ctr"/>
+          <a:bodyPr lIns="458280" tIns="229320" rIns="458280" bIns="229320" anchor="ctr"/>
+          <a:lstStyle/>
           <a:p>
             <a:pPr algn="ctr">
               <a:lnSpc>
@@ -3420,15 +3594,15 @@
               </a:spcBef>
             </a:pPr>
             <a:r>
-              <a:rPr b="1" lang="sv-SE" sz="5800" spc="-1" strike="noStrike">
+              <a:rPr lang="sv-SE" sz="5800" b="1" strike="noStrike" spc="-1">
                 <a:solidFill>
-                  <a:srgbClr val="ffffff"/>
+                  <a:srgbClr val="FFFFFF"/>
                 </a:solidFill>
                 <a:latin typeface="Trebuchet MS"/>
               </a:rPr>
               <a:t>Click to section title (44pt, bold, headings font)</a:t>
             </a:r>
-            <a:endParaRPr b="1" lang="sv-SE" sz="5800" spc="-1" strike="noStrike">
+            <a:endParaRPr lang="sv-SE" sz="5800" b="1" strike="noStrike" spc="-1">
               <a:solidFill>
                 <a:srgbClr val="000000"/>
               </a:solidFill>
@@ -3457,7 +3631,8 @@
           </a:prstGeom>
         </p:spPr>
         <p:txBody>
-          <a:bodyPr lIns="137160" rIns="137160" tIns="137160" bIns="137160" anchor="ctr"/>
+          <a:bodyPr lIns="137160" tIns="137160" rIns="137160" bIns="137160" anchor="ctr"/>
+          <a:lstStyle/>
           <a:p>
             <a:pPr algn="r">
               <a:lnSpc>
@@ -3468,9 +3643,9 @@
               </a:spcBef>
             </a:pPr>
             <a:r>
-              <a:rPr b="1" lang="sv-SE" sz="2400" spc="-1" strike="noStrike">
+              <a:rPr lang="sv-SE" sz="2400" b="1" strike="noStrike" spc="-1">
                 <a:solidFill>
-                  <a:srgbClr val="ffffff"/>
+                  <a:srgbClr val="FFFFFF"/>
                 </a:solidFill>
                 <a:latin typeface="Georgia"/>
               </a:rPr>
@@ -3478,15 +3653,15 @@
             </a:r>
             <a:br/>
             <a:r>
-              <a:rPr b="1" lang="sv-SE" sz="2400" spc="-1" strike="noStrike">
+              <a:rPr lang="sv-SE" sz="2400" b="1" strike="noStrike" spc="-1">
                 <a:solidFill>
-                  <a:srgbClr val="ffffff"/>
+                  <a:srgbClr val="FFFFFF"/>
                 </a:solidFill>
                 <a:latin typeface="Georgia"/>
               </a:rPr>
               <a:t>www.youURLtoLEarnmore.com</a:t>
             </a:r>
-            <a:endParaRPr b="1" lang="sv-SE" sz="2400" spc="-1" strike="noStrike">
+            <a:endParaRPr lang="sv-SE" sz="2400" b="1" strike="noStrike" spc="-1">
               <a:solidFill>
                 <a:srgbClr val="000000"/>
               </a:solidFill>
@@ -3515,7 +3690,8 @@
           </a:prstGeom>
         </p:spPr>
         <p:txBody>
-          <a:bodyPr lIns="137160" rIns="137160" tIns="137160" bIns="137160"/>
+          <a:bodyPr lIns="137160" tIns="137160" rIns="137160" bIns="137160"/>
+          <a:lstStyle/>
           <a:p>
             <a:pPr>
               <a:lnSpc>
@@ -3526,15 +3702,15 @@
               </a:spcBef>
             </a:pPr>
             <a:r>
-              <a:rPr b="0" lang="sv-SE" sz="2400" spc="-1" strike="noStrike">
+              <a:rPr lang="sv-SE" sz="2400" b="0" strike="noStrike" spc="-1">
                 <a:solidFill>
-                  <a:srgbClr val="ffffff"/>
+                  <a:srgbClr val="FFFFFF"/>
                 </a:solidFill>
                 <a:latin typeface="Georgia"/>
               </a:rPr>
               <a:t>Click to add text (18 pt, regular)</a:t>
             </a:r>
-            <a:endParaRPr b="1" lang="sv-SE" sz="2400" spc="-1" strike="noStrike">
+            <a:endParaRPr lang="sv-SE" sz="2400" b="1" strike="noStrike" spc="-1">
               <a:solidFill>
                 <a:srgbClr val="000000"/>
               </a:solidFill>
@@ -3563,7 +3739,8 @@
           </a:prstGeom>
         </p:spPr>
         <p:txBody>
-          <a:bodyPr lIns="0" rIns="0" tIns="0" bIns="0" anchor="ctr"/>
+          <a:bodyPr lIns="0" tIns="0" rIns="0" bIns="0" anchor="ctr"/>
+          <a:lstStyle/>
           <a:p>
             <a:pPr>
               <a:lnSpc>
@@ -3574,15 +3751,15 @@
               </a:spcBef>
             </a:pPr>
             <a:r>
-              <a:rPr b="0" lang="sv-SE" sz="1200" spc="-1" strike="noStrike">
+              <a:rPr lang="sv-SE" sz="1200" b="0" strike="noStrike" spc="-1">
                 <a:solidFill>
-                  <a:srgbClr val="ffffff"/>
+                  <a:srgbClr val="FFFFFF"/>
                 </a:solidFill>
                 <a:latin typeface="Arial"/>
               </a:rPr>
               <a:t>INSERT QRcode</a:t>
             </a:r>
-            <a:endParaRPr b="1" lang="sv-SE" sz="1200" spc="-1" strike="noStrike">
+            <a:endParaRPr lang="sv-SE" sz="1200" b="1" strike="noStrike" spc="-1">
               <a:solidFill>
                 <a:srgbClr val="000000"/>
               </a:solidFill>
@@ -3611,13 +3788,20 @@
           </a:ln>
         </p:spPr>
         <p:style>
-          <a:lnRef idx="0"/>
-          <a:fillRef idx="0"/>
-          <a:effectRef idx="0"/>
+          <a:lnRef idx="0">
+            <a:scrgbClr r="0" g="0" b="0"/>
+          </a:lnRef>
+          <a:fillRef idx="0">
+            <a:scrgbClr r="0" g="0" b="0"/>
+          </a:fillRef>
+          <a:effectRef idx="0">
+            <a:scrgbClr r="0" g="0" b="0"/>
+          </a:effectRef>
           <a:fontRef idx="minor"/>
         </p:style>
         <p:txBody>
-          <a:bodyPr lIns="90000" rIns="90000" tIns="45000" bIns="45000"/>
+          <a:bodyPr lIns="90000" tIns="45000" rIns="90000" bIns="45000"/>
+          <a:lstStyle/>
           <a:p>
             <a:pPr>
               <a:lnSpc>
@@ -3628,7 +3812,7 @@
               </a:spcBef>
             </a:pPr>
             <a:r>
-              <a:rPr b="1" i="1" lang="en-US" sz="4700" spc="-1" strike="noStrike">
+              <a:rPr lang="en-US" sz="4700" b="1" i="1" strike="noStrike" spc="-1">
                 <a:solidFill>
                   <a:srgbClr val="000000"/>
                 </a:solidFill>
@@ -3638,7 +3822,7 @@
             </a:r>
             <a:br/>
             <a:r>
-              <a:rPr b="0" lang="en-US" sz="4700" spc="-1" strike="noStrike">
+              <a:rPr lang="en-US" sz="4700" b="0" strike="noStrike" spc="-1">
                 <a:solidFill>
                   <a:srgbClr val="000000"/>
                 </a:solidFill>
@@ -3646,7 +3830,7 @@
               </a:rPr>
               <a:t>Winona State University</a:t>
             </a:r>
-            <a:endParaRPr b="0" lang="en-US" sz="4700" spc="-1" strike="noStrike">
+            <a:endParaRPr lang="en-US" sz="4700" b="0" strike="noStrike" spc="-1">
               <a:latin typeface="Arial"/>
             </a:endParaRPr>
           </a:p>
@@ -3659,7 +3843,7 @@
                 <a:spcPts val="561"/>
               </a:spcBef>
             </a:pPr>
-            <a:endParaRPr b="0" lang="en-US" sz="4700" spc="-1" strike="noStrike">
+            <a:endParaRPr lang="en-US" sz="4700" b="0" strike="noStrike" spc="-1">
               <a:latin typeface="Arial"/>
             </a:endParaRPr>
           </a:p>
@@ -3667,26 +3851,306 @@
       </p:sp>
     </p:spTree>
   </p:cSld>
-  <p:clrMap bg1="lt1" bg2="lt2" tx1="dk1" tx2="dk2" accent1="accent1" accent2="accent2" accent3="accent3" accent4="accent4" accent5="accent5" accent6="accent6" hlink="hlink" folHlink="folHlink"/>
+  <p:clrMap bg1="lt1" tx1="dk1" bg2="lt2" tx2="dk2" accent1="accent1" accent2="accent2" accent3="accent3" accent4="accent4" accent5="accent5" accent6="accent6" hlink="hlink" folHlink="folHlink"/>
   <p:sldLayoutIdLst>
-    <p:sldLayoutId id="2147483649" r:id="rId7"/>
-    <p:sldLayoutId id="2147483650" r:id="rId8"/>
-    <p:sldLayoutId id="2147483651" r:id="rId9"/>
-    <p:sldLayoutId id="2147483652" r:id="rId10"/>
-    <p:sldLayoutId id="2147483653" r:id="rId11"/>
-    <p:sldLayoutId id="2147483654" r:id="rId12"/>
-    <p:sldLayoutId id="2147483655" r:id="rId13"/>
-    <p:sldLayoutId id="2147483656" r:id="rId14"/>
-    <p:sldLayoutId id="2147483657" r:id="rId15"/>
-    <p:sldLayoutId id="2147483658" r:id="rId16"/>
-    <p:sldLayoutId id="2147483659" r:id="rId17"/>
-    <p:sldLayoutId id="2147483660" r:id="rId18"/>
+    <p:sldLayoutId id="2147483649" r:id="rId1"/>
+    <p:sldLayoutId id="2147483650" r:id="rId2"/>
+    <p:sldLayoutId id="2147483651" r:id="rId3"/>
+    <p:sldLayoutId id="2147483652" r:id="rId4"/>
+    <p:sldLayoutId id="2147483653" r:id="rId5"/>
+    <p:sldLayoutId id="2147483654" r:id="rId6"/>
+    <p:sldLayoutId id="2147483655" r:id="rId7"/>
+    <p:sldLayoutId id="2147483656" r:id="rId8"/>
+    <p:sldLayoutId id="2147483657" r:id="rId9"/>
+    <p:sldLayoutId id="2147483658" r:id="rId10"/>
+    <p:sldLayoutId id="2147483659" r:id="rId11"/>
+    <p:sldLayoutId id="2147483660" r:id="rId12"/>
   </p:sldLayoutIdLst>
+  <p:txStyles>
+    <p:titleStyle>
+      <a:lvl1pPr algn="l" defTabSz="914400" rtl="0" eaLnBrk="1" latinLnBrk="0" hangingPunct="1">
+        <a:lnSpc>
+          <a:spcPct val="90000"/>
+        </a:lnSpc>
+        <a:spcBef>
+          <a:spcPct val="0"/>
+        </a:spcBef>
+        <a:buNone/>
+        <a:defRPr sz="4400" kern="1200">
+          <a:solidFill>
+            <a:schemeClr val="tx1"/>
+          </a:solidFill>
+          <a:latin typeface="+mj-lt"/>
+          <a:ea typeface="+mj-ea"/>
+          <a:cs typeface="+mj-cs"/>
+        </a:defRPr>
+      </a:lvl1pPr>
+    </p:titleStyle>
+    <p:bodyStyle>
+      <a:lvl1pPr marL="228600" indent="-228600" algn="l" defTabSz="914400" rtl="0" eaLnBrk="1" latinLnBrk="0" hangingPunct="1">
+        <a:lnSpc>
+          <a:spcPct val="90000"/>
+        </a:lnSpc>
+        <a:spcBef>
+          <a:spcPts val="1000"/>
+        </a:spcBef>
+        <a:buFont typeface="Arial" panose="020B0604020202020204" pitchFamily="34" charset="0"/>
+        <a:buChar char="•"/>
+        <a:defRPr sz="2800" kern="1200">
+          <a:solidFill>
+            <a:schemeClr val="tx1"/>
+          </a:solidFill>
+          <a:latin typeface="+mn-lt"/>
+          <a:ea typeface="+mn-ea"/>
+          <a:cs typeface="+mn-cs"/>
+        </a:defRPr>
+      </a:lvl1pPr>
+      <a:lvl2pPr marL="685800" indent="-228600" algn="l" defTabSz="914400" rtl="0" eaLnBrk="1" latinLnBrk="0" hangingPunct="1">
+        <a:lnSpc>
+          <a:spcPct val="90000"/>
+        </a:lnSpc>
+        <a:spcBef>
+          <a:spcPts val="500"/>
+        </a:spcBef>
+        <a:buFont typeface="Arial" panose="020B0604020202020204" pitchFamily="34" charset="0"/>
+        <a:buChar char="•"/>
+        <a:defRPr sz="2400" kern="1200">
+          <a:solidFill>
+            <a:schemeClr val="tx1"/>
+          </a:solidFill>
+          <a:latin typeface="+mn-lt"/>
+          <a:ea typeface="+mn-ea"/>
+          <a:cs typeface="+mn-cs"/>
+        </a:defRPr>
+      </a:lvl2pPr>
+      <a:lvl3pPr marL="1143000" indent="-228600" algn="l" defTabSz="914400" rtl="0" eaLnBrk="1" latinLnBrk="0" hangingPunct="1">
+        <a:lnSpc>
+          <a:spcPct val="90000"/>
+        </a:lnSpc>
+        <a:spcBef>
+          <a:spcPts val="500"/>
+        </a:spcBef>
+        <a:buFont typeface="Arial" panose="020B0604020202020204" pitchFamily="34" charset="0"/>
+        <a:buChar char="•"/>
+        <a:defRPr sz="2000" kern="1200">
+          <a:solidFill>
+            <a:schemeClr val="tx1"/>
+          </a:solidFill>
+          <a:latin typeface="+mn-lt"/>
+          <a:ea typeface="+mn-ea"/>
+          <a:cs typeface="+mn-cs"/>
+        </a:defRPr>
+      </a:lvl3pPr>
+      <a:lvl4pPr marL="1600200" indent="-228600" algn="l" defTabSz="914400" rtl="0" eaLnBrk="1" latinLnBrk="0" hangingPunct="1">
+        <a:lnSpc>
+          <a:spcPct val="90000"/>
+        </a:lnSpc>
+        <a:spcBef>
+          <a:spcPts val="500"/>
+        </a:spcBef>
+        <a:buFont typeface="Arial" panose="020B0604020202020204" pitchFamily="34" charset="0"/>
+        <a:buChar char="•"/>
+        <a:defRPr sz="1800" kern="1200">
+          <a:solidFill>
+            <a:schemeClr val="tx1"/>
+          </a:solidFill>
+          <a:latin typeface="+mn-lt"/>
+          <a:ea typeface="+mn-ea"/>
+          <a:cs typeface="+mn-cs"/>
+        </a:defRPr>
+      </a:lvl4pPr>
+      <a:lvl5pPr marL="2057400" indent="-228600" algn="l" defTabSz="914400" rtl="0" eaLnBrk="1" latinLnBrk="0" hangingPunct="1">
+        <a:lnSpc>
+          <a:spcPct val="90000"/>
+        </a:lnSpc>
+        <a:spcBef>
+          <a:spcPts val="500"/>
+        </a:spcBef>
+        <a:buFont typeface="Arial" panose="020B0604020202020204" pitchFamily="34" charset="0"/>
+        <a:buChar char="•"/>
+        <a:defRPr sz="1800" kern="1200">
+          <a:solidFill>
+            <a:schemeClr val="tx1"/>
+          </a:solidFill>
+          <a:latin typeface="+mn-lt"/>
+          <a:ea typeface="+mn-ea"/>
+          <a:cs typeface="+mn-cs"/>
+        </a:defRPr>
+      </a:lvl5pPr>
+      <a:lvl6pPr marL="2514600" indent="-228600" algn="l" defTabSz="914400" rtl="0" eaLnBrk="1" latinLnBrk="0" hangingPunct="1">
+        <a:lnSpc>
+          <a:spcPct val="90000"/>
+        </a:lnSpc>
+        <a:spcBef>
+          <a:spcPts val="500"/>
+        </a:spcBef>
+        <a:buFont typeface="Arial" panose="020B0604020202020204" pitchFamily="34" charset="0"/>
+        <a:buChar char="•"/>
+        <a:defRPr sz="1800" kern="1200">
+          <a:solidFill>
+            <a:schemeClr val="tx1"/>
+          </a:solidFill>
+          <a:latin typeface="+mn-lt"/>
+          <a:ea typeface="+mn-ea"/>
+          <a:cs typeface="+mn-cs"/>
+        </a:defRPr>
+      </a:lvl6pPr>
+      <a:lvl7pPr marL="2971800" indent="-228600" algn="l" defTabSz="914400" rtl="0" eaLnBrk="1" latinLnBrk="0" hangingPunct="1">
+        <a:lnSpc>
+          <a:spcPct val="90000"/>
+        </a:lnSpc>
+        <a:spcBef>
+          <a:spcPts val="500"/>
+        </a:spcBef>
+        <a:buFont typeface="Arial" panose="020B0604020202020204" pitchFamily="34" charset="0"/>
+        <a:buChar char="•"/>
+        <a:defRPr sz="1800" kern="1200">
+          <a:solidFill>
+            <a:schemeClr val="tx1"/>
+          </a:solidFill>
+          <a:latin typeface="+mn-lt"/>
+          <a:ea typeface="+mn-ea"/>
+          <a:cs typeface="+mn-cs"/>
+        </a:defRPr>
+      </a:lvl7pPr>
+      <a:lvl8pPr marL="3429000" indent="-228600" algn="l" defTabSz="914400" rtl="0" eaLnBrk="1" latinLnBrk="0" hangingPunct="1">
+        <a:lnSpc>
+          <a:spcPct val="90000"/>
+        </a:lnSpc>
+        <a:spcBef>
+          <a:spcPts val="500"/>
+        </a:spcBef>
+        <a:buFont typeface="Arial" panose="020B0604020202020204" pitchFamily="34" charset="0"/>
+        <a:buChar char="•"/>
+        <a:defRPr sz="1800" kern="1200">
+          <a:solidFill>
+            <a:schemeClr val="tx1"/>
+          </a:solidFill>
+          <a:latin typeface="+mn-lt"/>
+          <a:ea typeface="+mn-ea"/>
+          <a:cs typeface="+mn-cs"/>
+        </a:defRPr>
+      </a:lvl8pPr>
+      <a:lvl9pPr marL="3886200" indent="-228600" algn="l" defTabSz="914400" rtl="0" eaLnBrk="1" latinLnBrk="0" hangingPunct="1">
+        <a:lnSpc>
+          <a:spcPct val="90000"/>
+        </a:lnSpc>
+        <a:spcBef>
+          <a:spcPts val="500"/>
+        </a:spcBef>
+        <a:buFont typeface="Arial" panose="020B0604020202020204" pitchFamily="34" charset="0"/>
+        <a:buChar char="•"/>
+        <a:defRPr sz="1800" kern="1200">
+          <a:solidFill>
+            <a:schemeClr val="tx1"/>
+          </a:solidFill>
+          <a:latin typeface="+mn-lt"/>
+          <a:ea typeface="+mn-ea"/>
+          <a:cs typeface="+mn-cs"/>
+        </a:defRPr>
+      </a:lvl9pPr>
+    </p:bodyStyle>
+    <p:otherStyle>
+      <a:defPPr>
+        <a:defRPr lang="en-US"/>
+      </a:defPPr>
+      <a:lvl1pPr marL="0" algn="l" defTabSz="914400" rtl="0" eaLnBrk="1" latinLnBrk="0" hangingPunct="1">
+        <a:defRPr sz="1800" kern="1200">
+          <a:solidFill>
+            <a:schemeClr val="tx1"/>
+          </a:solidFill>
+          <a:latin typeface="+mn-lt"/>
+          <a:ea typeface="+mn-ea"/>
+          <a:cs typeface="+mn-cs"/>
+        </a:defRPr>
+      </a:lvl1pPr>
+      <a:lvl2pPr marL="457200" algn="l" defTabSz="914400" rtl="0" eaLnBrk="1" latinLnBrk="0" hangingPunct="1">
+        <a:defRPr sz="1800" kern="1200">
+          <a:solidFill>
+            <a:schemeClr val="tx1"/>
+          </a:solidFill>
+          <a:latin typeface="+mn-lt"/>
+          <a:ea typeface="+mn-ea"/>
+          <a:cs typeface="+mn-cs"/>
+        </a:defRPr>
+      </a:lvl2pPr>
+      <a:lvl3pPr marL="914400" algn="l" defTabSz="914400" rtl="0" eaLnBrk="1" latinLnBrk="0" hangingPunct="1">
+        <a:defRPr sz="1800" kern="1200">
+          <a:solidFill>
+            <a:schemeClr val="tx1"/>
+          </a:solidFill>
+          <a:latin typeface="+mn-lt"/>
+          <a:ea typeface="+mn-ea"/>
+          <a:cs typeface="+mn-cs"/>
+        </a:defRPr>
+      </a:lvl3pPr>
+      <a:lvl4pPr marL="1371600" algn="l" defTabSz="914400" rtl="0" eaLnBrk="1" latinLnBrk="0" hangingPunct="1">
+        <a:defRPr sz="1800" kern="1200">
+          <a:solidFill>
+            <a:schemeClr val="tx1"/>
+          </a:solidFill>
+          <a:latin typeface="+mn-lt"/>
+          <a:ea typeface="+mn-ea"/>
+          <a:cs typeface="+mn-cs"/>
+        </a:defRPr>
+      </a:lvl4pPr>
+      <a:lvl5pPr marL="1828800" algn="l" defTabSz="914400" rtl="0" eaLnBrk="1" latinLnBrk="0" hangingPunct="1">
+        <a:defRPr sz="1800" kern="1200">
+          <a:solidFill>
+            <a:schemeClr val="tx1"/>
+          </a:solidFill>
+          <a:latin typeface="+mn-lt"/>
+          <a:ea typeface="+mn-ea"/>
+          <a:cs typeface="+mn-cs"/>
+        </a:defRPr>
+      </a:lvl5pPr>
+      <a:lvl6pPr marL="2286000" algn="l" defTabSz="914400" rtl="0" eaLnBrk="1" latinLnBrk="0" hangingPunct="1">
+        <a:defRPr sz="1800" kern="1200">
+          <a:solidFill>
+            <a:schemeClr val="tx1"/>
+          </a:solidFill>
+          <a:latin typeface="+mn-lt"/>
+          <a:ea typeface="+mn-ea"/>
+          <a:cs typeface="+mn-cs"/>
+        </a:defRPr>
+      </a:lvl6pPr>
+      <a:lvl7pPr marL="2743200" algn="l" defTabSz="914400" rtl="0" eaLnBrk="1" latinLnBrk="0" hangingPunct="1">
+        <a:defRPr sz="1800" kern="1200">
+          <a:solidFill>
+            <a:schemeClr val="tx1"/>
+          </a:solidFill>
+          <a:latin typeface="+mn-lt"/>
+          <a:ea typeface="+mn-ea"/>
+          <a:cs typeface="+mn-cs"/>
+        </a:defRPr>
+      </a:lvl7pPr>
+      <a:lvl8pPr marL="3200400" algn="l" defTabSz="914400" rtl="0" eaLnBrk="1" latinLnBrk="0" hangingPunct="1">
+        <a:defRPr sz="1800" kern="1200">
+          <a:solidFill>
+            <a:schemeClr val="tx1"/>
+          </a:solidFill>
+          <a:latin typeface="+mn-lt"/>
+          <a:ea typeface="+mn-ea"/>
+          <a:cs typeface="+mn-cs"/>
+        </a:defRPr>
+      </a:lvl8pPr>
+      <a:lvl9pPr marL="3657600" algn="l" defTabSz="914400" rtl="0" eaLnBrk="1" latinLnBrk="0" hangingPunct="1">
+        <a:defRPr sz="1800" kern="1200">
+          <a:solidFill>
+            <a:schemeClr val="tx1"/>
+          </a:solidFill>
+          <a:latin typeface="+mn-lt"/>
+          <a:ea typeface="+mn-ea"/>
+          <a:cs typeface="+mn-cs"/>
+        </a:defRPr>
+      </a:lvl9pPr>
+    </p:otherStyle>
+  </p:txStyles>
 </p:sldMaster>
 </file>
 
 <file path=ppt/slides/slide1.xml><?xml version="1.0" encoding="utf-8"?>
-<p:sld xmlns:a="http://schemas.openxmlformats.org/drawingml/2006/main" xmlns:p="http://schemas.openxmlformats.org/presentationml/2006/main" xmlns:r="http://schemas.openxmlformats.org/officeDocument/2006/relationships" xmlns:p14="http://schemas.microsoft.com/office/powerpoint/2010/main" xmlns:p15="http://schemas.microsoft.com/office/powerpoint/2012/main" xmlns:mc="http://schemas.openxmlformats.org/markup-compatibility/2006">
+<p:sld xmlns:a="http://schemas.openxmlformats.org/drawingml/2006/main" xmlns:r="http://schemas.openxmlformats.org/officeDocument/2006/relationships" xmlns:p="http://schemas.openxmlformats.org/presentationml/2006/main">
   <p:cSld>
     <p:spTree>
       <p:nvGrpSpPr>
@@ -3719,10 +4183,10 @@
           <a:gradFill rotWithShape="0">
             <a:gsLst>
               <a:gs pos="0">
-                <a:srgbClr val="ffffff"/>
+                <a:srgbClr val="FFFFFF"/>
               </a:gs>
               <a:gs pos="100000">
-                <a:srgbClr val="ffffff"/>
+                <a:srgbClr val="FFFFFF"/>
               </a:gs>
             </a:gsLst>
             <a:lin ang="0"/>
@@ -3732,7 +4196,8 @@
           </a:ln>
         </p:spPr>
         <p:txBody>
-          <a:bodyPr lIns="120240" rIns="120240" tIns="60120" bIns="60120"/>
+          <a:bodyPr lIns="120240" tIns="60120" rIns="120240" bIns="60120"/>
+          <a:lstStyle/>
           <a:p>
             <a:pPr>
               <a:lnSpc>
@@ -3740,7 +4205,7 @@
               </a:lnSpc>
             </a:pPr>
             <a:r>
-              <a:rPr b="0" lang="sv-SE" sz="8000" spc="-1" strike="noStrike">
+              <a:rPr lang="sv-SE" sz="8000" b="0" strike="noStrike" spc="-1">
                 <a:solidFill>
                   <a:srgbClr val="000000"/>
                 </a:solidFill>
@@ -3749,7 +4214,7 @@
               <a:t>HARDWARE.astronomy: Housekeeping Box (H.aHkBox)</a:t>
             </a:r>
             <a:br/>
-            <a:endParaRPr b="0" lang="sv-SE" sz="8000" spc="-1" strike="noStrike">
+            <a:endParaRPr lang="sv-SE" sz="8000" b="0" strike="noStrike" spc="-1">
               <a:solidFill>
                 <a:srgbClr val="000000"/>
               </a:solidFill>
@@ -3760,12 +4225,12 @@
       </p:sp>
       <p:pic>
         <p:nvPicPr>
-          <p:cNvPr id="80" name="Picture Placeholder 2" descr=""/>
+          <p:cNvPr id="80" name="Picture Placeholder 2"/>
           <p:cNvPicPr/>
           <p:nvPr/>
         </p:nvPicPr>
         <p:blipFill>
-          <a:blip r:embed="rId1"/>
+          <a:blip r:embed="rId2"/>
           <a:stretch/>
         </p:blipFill>
         <p:spPr>
@@ -3796,14 +4261,15 @@
             <a:avLst/>
           </a:prstGeom>
           <a:solidFill>
-            <a:srgbClr val="5c64b7"/>
+            <a:srgbClr val="5C64B7"/>
           </a:solidFill>
           <a:ln w="9360">
             <a:noFill/>
           </a:ln>
         </p:spPr>
         <p:txBody>
-          <a:bodyPr lIns="458280" rIns="458280" tIns="229320" bIns="229320" anchor="ctr"/>
+          <a:bodyPr lIns="458280" tIns="229320" rIns="458280" bIns="229320" anchor="ctr"/>
+          <a:lstStyle/>
           <a:p>
             <a:pPr algn="r">
               <a:lnSpc>
@@ -3814,15 +4280,15 @@
               </a:spcBef>
             </a:pPr>
             <a:r>
-              <a:rPr b="1" lang="sv-SE" sz="5800" spc="-1" strike="noStrike">
+              <a:rPr lang="sv-SE" sz="5800" b="1" strike="noStrike" spc="-1">
                 <a:solidFill>
-                  <a:srgbClr val="ffffff"/>
+                  <a:srgbClr val="FFFFFF"/>
                 </a:solidFill>
                 <a:latin typeface="Trebuchet MS"/>
               </a:rPr>
               <a:t>Abstract</a:t>
             </a:r>
-            <a:endParaRPr b="1" lang="sv-SE" sz="5800" spc="-1" strike="noStrike">
+            <a:endParaRPr lang="sv-SE" sz="5800" b="1" strike="noStrike" spc="-1">
               <a:solidFill>
                 <a:srgbClr val="000000"/>
               </a:solidFill>
@@ -3851,9 +4317,10 @@
           </a:ln>
         </p:spPr>
         <p:txBody>
-          <a:bodyPr lIns="458280" rIns="458280" tIns="229320" bIns="229320"/>
-          <a:p>
-            <a:endParaRPr b="1" lang="sv-SE" sz="4700" spc="-1" strike="noStrike">
+          <a:bodyPr lIns="458280" tIns="229320" rIns="458280" bIns="229320"/>
+          <a:lstStyle/>
+          <a:p>
+            <a:endParaRPr lang="sv-SE" sz="4700" b="1" strike="noStrike" spc="-1">
               <a:solidFill>
                 <a:srgbClr val="000000"/>
               </a:solidFill>
@@ -3864,7 +4331,7 @@
       </p:sp>
       <p:pic>
         <p:nvPicPr>
-          <p:cNvPr id="83" name="Picture Placeholder 5" descr=""/>
+          <p:cNvPr id="83" name="Picture Placeholder 5"/>
           <p:cNvPicPr/>
           <p:nvPr/>
         </p:nvPicPr>
@@ -3905,9 +4372,10 @@
           </a:ln>
         </p:spPr>
         <p:txBody>
-          <a:bodyPr lIns="137160" rIns="137160" tIns="137160" bIns="137160"/>
-          <a:p>
-            <a:endParaRPr b="1" lang="sv-SE" sz="4700" spc="-1" strike="noStrike">
+          <a:bodyPr lIns="137160" tIns="137160" rIns="137160" bIns="137160"/>
+          <a:lstStyle/>
+          <a:p>
+            <a:endParaRPr lang="sv-SE" sz="4700" b="1" strike="noStrike" spc="-1">
               <a:solidFill>
                 <a:srgbClr val="000000"/>
               </a:solidFill>
@@ -3936,9 +4404,10 @@
           </a:ln>
         </p:spPr>
         <p:txBody>
-          <a:bodyPr lIns="137160" rIns="137160" tIns="137160" bIns="137160"/>
-          <a:p>
-            <a:endParaRPr b="1" lang="sv-SE" sz="4700" spc="-1" strike="noStrike">
+          <a:bodyPr lIns="137160" tIns="137160" rIns="137160" bIns="137160"/>
+          <a:lstStyle/>
+          <a:p>
+            <a:endParaRPr lang="sv-SE" sz="4700" b="1" strike="noStrike" spc="-1">
               <a:solidFill>
                 <a:srgbClr val="000000"/>
               </a:solidFill>
@@ -3967,9 +4436,10 @@
           </a:ln>
         </p:spPr>
         <p:txBody>
-          <a:bodyPr lIns="137160" rIns="137160" tIns="137160" bIns="137160"/>
-          <a:p>
-            <a:endParaRPr b="1" lang="sv-SE" sz="4700" spc="-1" strike="noStrike">
+          <a:bodyPr lIns="137160" tIns="137160" rIns="137160" bIns="137160"/>
+          <a:lstStyle/>
+          <a:p>
+            <a:endParaRPr lang="sv-SE" sz="4700" b="1" strike="noStrike" spc="-1">
               <a:solidFill>
                 <a:srgbClr val="000000"/>
               </a:solidFill>
@@ -3998,9 +4468,10 @@
           </a:ln>
         </p:spPr>
         <p:txBody>
-          <a:bodyPr lIns="458280" rIns="458280" tIns="229320" bIns="229320"/>
-          <a:p>
-            <a:endParaRPr b="1" lang="sv-SE" sz="4700" spc="-1" strike="noStrike">
+          <a:bodyPr lIns="458280" tIns="229320" rIns="458280" bIns="229320"/>
+          <a:lstStyle/>
+          <a:p>
+            <a:endParaRPr lang="sv-SE" sz="4700" b="1" strike="noStrike" spc="-1">
               <a:solidFill>
                 <a:srgbClr val="000000"/>
               </a:solidFill>
@@ -4029,9 +4500,10 @@
           </a:ln>
         </p:spPr>
         <p:txBody>
-          <a:bodyPr lIns="458280" rIns="458280" tIns="229320" bIns="229320" anchor="ctr"/>
-          <a:p>
-            <a:endParaRPr b="1" lang="sv-SE" sz="4700" spc="-1" strike="noStrike">
+          <a:bodyPr lIns="458280" tIns="229320" rIns="458280" bIns="229320" anchor="ctr"/>
+          <a:lstStyle/>
+          <a:p>
+            <a:endParaRPr lang="sv-SE" sz="4700" b="1" strike="noStrike" spc="-1">
               <a:solidFill>
                 <a:srgbClr val="000000"/>
               </a:solidFill>
@@ -4060,7 +4532,8 @@
           </a:ln>
         </p:spPr>
         <p:txBody>
-          <a:bodyPr lIns="458280" rIns="458280" tIns="229320" bIns="229320"/>
+          <a:bodyPr lIns="458280" tIns="229320" rIns="458280" bIns="229320"/>
+          <a:lstStyle/>
           <a:p>
             <a:pPr>
               <a:lnSpc>
@@ -4071,7 +4544,7 @@
               </a:spcBef>
             </a:pPr>
             <a:r>
-              <a:rPr b="0" lang="sv-SE" sz="4400" spc="-1" strike="noStrike">
+              <a:rPr lang="sv-SE" sz="4400" b="0" strike="noStrike" spc="-1">
                 <a:solidFill>
                   <a:srgbClr val="000000"/>
                 </a:solidFill>
@@ -4079,7 +4552,7 @@
               </a:rPr>
               <a:t>Here we present the HARDWARE.astronomy Housekeeping Box (H.aHkBox). The H.aHkBox is a low-cost open-source temperature monitoring and control system. It employs existing open-source devices (e.g Arduino, RaspberryPi) to reduce costs while also limiting the complexity of the development. The H.aHkBox features a chassis with a variety of capabilities, a control computer, and 10 expansion slots that can be populated by expansion cards. The first deployment of the H.aHkBox will be for the ZEUS-2 submillimeter grating spectrometer. As such the modular cards will include AC and DC excited 4-wire bridges, 2-wire bridge, and PID controller card. The system can output up to 200W, and achieve sub-millikelvin temperature sensing accuracy. Design, firmware, software and parts list will be published online allowing for other projects to adopt the system and create custom expansion cards as needed. Here we provide an overview of the project, initial layout of the chassis, electrical design, and specifications, as well as a proto-type expansion card.</a:t>
             </a:r>
-            <a:endParaRPr b="1" lang="sv-SE" sz="4400" spc="-1" strike="noStrike">
+            <a:endParaRPr lang="sv-SE" sz="4400" b="1" strike="noStrike" spc="-1">
               <a:solidFill>
                 <a:srgbClr val="000000"/>
               </a:solidFill>
@@ -4095,7 +4568,7 @@
                 <a:spcPts val="879"/>
               </a:spcBef>
             </a:pPr>
-            <a:endParaRPr b="1" lang="sv-SE" sz="4400" spc="-1" strike="noStrike">
+            <a:endParaRPr lang="sv-SE" sz="4400" b="1" strike="noStrike" spc="-1">
               <a:solidFill>
                 <a:srgbClr val="000000"/>
               </a:solidFill>
@@ -4119,14 +4592,15 @@
             <a:avLst/>
           </a:prstGeom>
           <a:solidFill>
-            <a:srgbClr val="78697b"/>
+            <a:srgbClr val="78697B"/>
           </a:solidFill>
           <a:ln w="9360">
             <a:noFill/>
           </a:ln>
         </p:spPr>
         <p:txBody>
-          <a:bodyPr lIns="458280" rIns="458280" tIns="229320" bIns="229320" anchor="ctr"/>
+          <a:bodyPr lIns="458280" tIns="229320" rIns="458280" bIns="229320" anchor="ctr"/>
+          <a:lstStyle/>
           <a:p>
             <a:pPr>
               <a:lnSpc>
@@ -4137,15 +4611,15 @@
               </a:spcBef>
             </a:pPr>
             <a:r>
-              <a:rPr b="1" lang="sv-SE" sz="5800" spc="-1" strike="noStrike">
+              <a:rPr lang="sv-SE" sz="5800" b="1" strike="noStrike" spc="-1">
                 <a:solidFill>
-                  <a:srgbClr val="ffffff"/>
+                  <a:srgbClr val="FFFFFF"/>
                 </a:solidFill>
                 <a:latin typeface="Trebuchet MS"/>
               </a:rPr>
               <a:t>Background/Requirements</a:t>
             </a:r>
-            <a:endParaRPr b="1" lang="sv-SE" sz="5800" spc="-1" strike="noStrike">
+            <a:endParaRPr lang="sv-SE" sz="5800" b="1" strike="noStrike" spc="-1">
               <a:solidFill>
                 <a:srgbClr val="000000"/>
               </a:solidFill>
@@ -4174,9 +4648,10 @@
           </a:ln>
         </p:spPr>
         <p:txBody>
-          <a:bodyPr lIns="458280" rIns="458280" tIns="229320" bIns="229320"/>
-          <a:p>
-            <a:endParaRPr b="1" lang="sv-SE" sz="4700" spc="-1" strike="noStrike">
+          <a:bodyPr lIns="458280" tIns="229320" rIns="458280" bIns="229320"/>
+          <a:lstStyle/>
+          <a:p>
+            <a:endParaRPr lang="sv-SE" sz="4700" b="1" strike="noStrike" spc="-1">
               <a:solidFill>
                 <a:srgbClr val="000000"/>
               </a:solidFill>
@@ -4205,9 +4680,10 @@
           </a:ln>
         </p:spPr>
         <p:txBody>
-          <a:bodyPr lIns="458280" rIns="458280" tIns="229320" bIns="229320"/>
-          <a:p>
-            <a:endParaRPr b="1" lang="sv-SE" sz="4700" spc="-1" strike="noStrike">
+          <a:bodyPr lIns="458280" tIns="229320" rIns="458280" bIns="229320"/>
+          <a:lstStyle/>
+          <a:p>
+            <a:endParaRPr lang="sv-SE" sz="4700" b="1" strike="noStrike" spc="-1">
               <a:solidFill>
                 <a:srgbClr val="000000"/>
               </a:solidFill>
@@ -4236,9 +4712,10 @@
           </a:ln>
         </p:spPr>
         <p:txBody>
-          <a:bodyPr lIns="458280" rIns="458280" tIns="229320" bIns="229320"/>
-          <a:p>
-            <a:endParaRPr b="1" lang="sv-SE" sz="4700" spc="-1" strike="noStrike">
+          <a:bodyPr lIns="458280" tIns="229320" rIns="458280" bIns="229320"/>
+          <a:lstStyle/>
+          <a:p>
+            <a:endParaRPr lang="sv-SE" sz="4700" b="1" strike="noStrike" spc="-1">
               <a:solidFill>
                 <a:srgbClr val="000000"/>
               </a:solidFill>
@@ -4267,9 +4744,10 @@
           </a:ln>
         </p:spPr>
         <p:txBody>
-          <a:bodyPr lIns="458280" rIns="458280" tIns="229320" bIns="229320"/>
-          <a:p>
-            <a:endParaRPr b="1" lang="sv-SE" sz="4700" spc="-1" strike="noStrike">
+          <a:bodyPr lIns="458280" tIns="229320" rIns="458280" bIns="229320"/>
+          <a:lstStyle/>
+          <a:p>
+            <a:endParaRPr lang="sv-SE" sz="4700" b="1" strike="noStrike" spc="-1">
               <a:solidFill>
                 <a:srgbClr val="000000"/>
               </a:solidFill>
@@ -4298,9 +4776,10 @@
           </a:ln>
         </p:spPr>
         <p:txBody>
-          <a:bodyPr lIns="458280" rIns="458280" tIns="229320" bIns="229320"/>
-          <a:p>
-            <a:endParaRPr b="1" lang="sv-SE" sz="4700" spc="-1" strike="noStrike">
+          <a:bodyPr lIns="458280" tIns="229320" rIns="458280" bIns="229320"/>
+          <a:lstStyle/>
+          <a:p>
+            <a:endParaRPr lang="sv-SE" sz="4700" b="1" strike="noStrike" spc="-1">
               <a:solidFill>
                 <a:srgbClr val="000000"/>
               </a:solidFill>
@@ -4329,9 +4808,10 @@
           </a:ln>
         </p:spPr>
         <p:txBody>
-          <a:bodyPr lIns="458280" rIns="458280" tIns="229320" bIns="229320"/>
-          <a:p>
-            <a:endParaRPr b="1" lang="sv-SE" sz="4700" spc="-1" strike="noStrike">
+          <a:bodyPr lIns="458280" tIns="229320" rIns="458280" bIns="229320"/>
+          <a:lstStyle/>
+          <a:p>
+            <a:endParaRPr lang="sv-SE" sz="4700" b="1" strike="noStrike" spc="-1">
               <a:solidFill>
                 <a:srgbClr val="000000"/>
               </a:solidFill>
@@ -4360,9 +4840,10 @@
           </a:ln>
         </p:spPr>
         <p:txBody>
-          <a:bodyPr lIns="458280" rIns="458280" tIns="229320" bIns="229320"/>
-          <a:p>
-            <a:endParaRPr b="1" lang="sv-SE" sz="4700" spc="-1" strike="noStrike">
+          <a:bodyPr lIns="458280" tIns="229320" rIns="458280" bIns="229320"/>
+          <a:lstStyle/>
+          <a:p>
+            <a:endParaRPr lang="sv-SE" sz="4700" b="1" strike="noStrike" spc="-1">
               <a:solidFill>
                 <a:srgbClr val="000000"/>
               </a:solidFill>
@@ -4391,9 +4872,10 @@
           </a:ln>
         </p:spPr>
         <p:txBody>
-          <a:bodyPr lIns="458280" rIns="458280" tIns="229320" bIns="229320"/>
-          <a:p>
-            <a:endParaRPr b="1" lang="sv-SE" sz="4700" spc="-1" strike="noStrike">
+          <a:bodyPr lIns="458280" tIns="229320" rIns="458280" bIns="229320"/>
+          <a:lstStyle/>
+          <a:p>
+            <a:endParaRPr lang="sv-SE" sz="4700" b="1" strike="noStrike" spc="-1">
               <a:solidFill>
                 <a:srgbClr val="000000"/>
               </a:solidFill>
@@ -4417,14 +4899,15 @@
             <a:avLst/>
           </a:prstGeom>
           <a:solidFill>
-            <a:srgbClr val="78697b"/>
+            <a:srgbClr val="78697B"/>
           </a:solidFill>
           <a:ln w="9360">
             <a:noFill/>
           </a:ln>
         </p:spPr>
         <p:txBody>
-          <a:bodyPr lIns="458280" rIns="458280" tIns="229320" bIns="229320" anchor="ctr"/>
+          <a:bodyPr lIns="458280" tIns="229320" rIns="458280" bIns="229320" anchor="ctr"/>
+          <a:lstStyle/>
           <a:p>
             <a:pPr>
               <a:lnSpc>
@@ -4435,20 +4918,14 @@
               </a:spcBef>
             </a:pPr>
             <a:r>
-              <a:rPr b="1" lang="sv-SE" sz="5800" spc="-1" strike="noStrike">
+              <a:rPr lang="sv-SE" sz="5800" b="1" strike="noStrike" spc="-1" dirty="0">
                 <a:solidFill>
-                  <a:srgbClr val="ffffff"/>
+                  <a:srgbClr val="FFFFFF"/>
                 </a:solidFill>
                 <a:latin typeface="Trebuchet MS"/>
               </a:rPr>
-              <a:t>Physical Design</a:t>
+              <a:t>Physical Design and Interface</a:t>
             </a:r>
-            <a:endParaRPr b="1" lang="sv-SE" sz="5800" spc="-1" strike="noStrike">
-              <a:solidFill>
-                <a:srgbClr val="000000"/>
-              </a:solidFill>
-              <a:latin typeface="Georgia"/>
-            </a:endParaRPr>
           </a:p>
         </p:txBody>
       </p:sp>
@@ -4467,14 +4944,15 @@
             <a:avLst/>
           </a:prstGeom>
           <a:solidFill>
-            <a:srgbClr val="78697b"/>
+            <a:srgbClr val="78697B"/>
           </a:solidFill>
           <a:ln w="9360">
             <a:noFill/>
           </a:ln>
         </p:spPr>
         <p:txBody>
-          <a:bodyPr lIns="458280" rIns="458280" tIns="229320" bIns="229320" anchor="ctr"/>
+          <a:bodyPr lIns="458280" tIns="229320" rIns="458280" bIns="229320" anchor="ctr"/>
+          <a:lstStyle/>
           <a:p>
             <a:pPr indent="-324000">
               <a:lnSpc>
@@ -4485,20 +4963,14 @@
               </a:spcBef>
             </a:pPr>
             <a:r>
-              <a:rPr b="1" lang="sv-SE" sz="5800" spc="-1" strike="noStrike">
+              <a:rPr lang="sv-SE" sz="5800" b="1" strike="noStrike" spc="-1">
                 <a:solidFill>
-                  <a:srgbClr val="ffffff"/>
+                  <a:srgbClr val="FFFFFF"/>
                 </a:solidFill>
                 <a:latin typeface="Trebuchet MS"/>
               </a:rPr>
               <a:t>Backplane</a:t>
             </a:r>
-            <a:endParaRPr b="1" lang="sv-SE" sz="5800" spc="-1" strike="noStrike">
-              <a:solidFill>
-                <a:srgbClr val="ffffff"/>
-              </a:solidFill>
-              <a:latin typeface="Trebuchet MS"/>
-            </a:endParaRPr>
           </a:p>
         </p:txBody>
       </p:sp>
@@ -4522,9 +4994,10 @@
           </a:ln>
         </p:spPr>
         <p:txBody>
-          <a:bodyPr lIns="458280" rIns="458280" tIns="229320" bIns="229320"/>
-          <a:p>
-            <a:endParaRPr b="1" lang="sv-SE" sz="4700" spc="-1" strike="noStrike">
+          <a:bodyPr lIns="458280" tIns="229320" rIns="458280" bIns="229320"/>
+          <a:lstStyle/>
+          <a:p>
+            <a:endParaRPr lang="sv-SE" sz="4700" b="1" strike="noStrike" spc="-1">
               <a:solidFill>
                 <a:srgbClr val="000000"/>
               </a:solidFill>
@@ -4548,14 +5021,15 @@
             <a:avLst/>
           </a:prstGeom>
           <a:solidFill>
-            <a:srgbClr val="78697b"/>
+            <a:srgbClr val="78697B"/>
           </a:solidFill>
           <a:ln w="9360">
             <a:noFill/>
           </a:ln>
         </p:spPr>
         <p:txBody>
-          <a:bodyPr lIns="458280" rIns="458280" tIns="229320" bIns="229320" anchor="ctr"/>
+          <a:bodyPr lIns="458280" tIns="229320" rIns="458280" bIns="229320" anchor="ctr"/>
+          <a:lstStyle/>
           <a:p>
             <a:pPr indent="-324000">
               <a:lnSpc>
@@ -4566,20 +5040,14 @@
               </a:spcBef>
             </a:pPr>
             <a:r>
-              <a:rPr b="1" lang="sv-SE" sz="5800" spc="-1" strike="noStrike">
+              <a:rPr lang="sv-SE" sz="5800" b="1" strike="noStrike" spc="-1">
                 <a:solidFill>
-                  <a:srgbClr val="ffffff"/>
+                  <a:srgbClr val="FFFFFF"/>
                 </a:solidFill>
                 <a:latin typeface="Trebuchet MS"/>
               </a:rPr>
               <a:t>Prototyping Card</a:t>
             </a:r>
-            <a:endParaRPr b="1" lang="sv-SE" sz="5800" spc="-1" strike="noStrike">
-              <a:solidFill>
-                <a:srgbClr val="ffffff"/>
-              </a:solidFill>
-              <a:latin typeface="Trebuchet MS"/>
-            </a:endParaRPr>
           </a:p>
         </p:txBody>
       </p:sp>
@@ -4598,14 +5066,15 @@
             <a:avLst/>
           </a:prstGeom>
           <a:solidFill>
-            <a:srgbClr val="78697b"/>
+            <a:srgbClr val="78697B"/>
           </a:solidFill>
           <a:ln w="9360">
             <a:noFill/>
           </a:ln>
         </p:spPr>
         <p:txBody>
-          <a:bodyPr lIns="458280" rIns="458280" tIns="229320" bIns="229320" anchor="ctr"/>
+          <a:bodyPr lIns="458280" tIns="229320" rIns="458280" bIns="229320" anchor="ctr"/>
+          <a:lstStyle/>
           <a:p>
             <a:pPr indent="-324000">
               <a:lnSpc>
@@ -4616,20 +5085,14 @@
               </a:spcBef>
             </a:pPr>
             <a:r>
-              <a:rPr b="1" lang="sv-SE" sz="5800" spc="-1" strike="noStrike">
+              <a:rPr lang="sv-SE" sz="5800" b="1" spc="-1" dirty="0">
                 <a:solidFill>
-                  <a:srgbClr val="ffffff"/>
+                  <a:srgbClr val="FFFFFF"/>
                 </a:solidFill>
                 <a:latin typeface="Trebuchet MS"/>
               </a:rPr>
-              <a:t>Next Steps</a:t>
+              <a:t>Interface</a:t>
             </a:r>
-            <a:endParaRPr b="1" lang="sv-SE" sz="5800" spc="-1" strike="noStrike">
-              <a:solidFill>
-                <a:srgbClr val="ffffff"/>
-              </a:solidFill>
-              <a:latin typeface="Trebuchet MS"/>
-            </a:endParaRPr>
           </a:p>
         </p:txBody>
       </p:sp>
@@ -4648,16 +5111,17 @@
             <a:avLst/>
           </a:prstGeom>
           <a:solidFill>
-            <a:srgbClr val="680be3"/>
+            <a:srgbClr val="680BE3"/>
           </a:solidFill>
           <a:ln w="9360">
             <a:noFill/>
           </a:ln>
         </p:spPr>
         <p:txBody>
-          <a:bodyPr lIns="458280" rIns="458280" tIns="229320" bIns="229320" anchor="ctr"/>
-          <a:p>
-            <a:endParaRPr b="1" lang="sv-SE" sz="4700" spc="-1" strike="noStrike">
+          <a:bodyPr lIns="458280" tIns="229320" rIns="458280" bIns="229320" anchor="ctr"/>
+          <a:lstStyle/>
+          <a:p>
+            <a:endParaRPr lang="sv-SE" sz="4700" b="1" strike="noStrike" spc="-1">
               <a:solidFill>
                 <a:srgbClr val="000000"/>
               </a:solidFill>
@@ -4686,9 +5150,10 @@
           </a:ln>
         </p:spPr>
         <p:txBody>
-          <a:bodyPr lIns="137160" rIns="137160" tIns="137160" bIns="137160" anchor="ctr"/>
-          <a:p>
-            <a:endParaRPr b="1" lang="sv-SE" sz="4700" spc="-1" strike="noStrike">
+          <a:bodyPr lIns="137160" tIns="137160" rIns="137160" bIns="137160" anchor="ctr"/>
+          <a:lstStyle/>
+          <a:p>
+            <a:endParaRPr lang="sv-SE" sz="4700" b="1" strike="noStrike" spc="-1">
               <a:solidFill>
                 <a:srgbClr val="000000"/>
               </a:solidFill>
@@ -4717,9 +5182,10 @@
           </a:ln>
         </p:spPr>
         <p:txBody>
-          <a:bodyPr lIns="137160" rIns="137160" tIns="137160" bIns="137160"/>
-          <a:p>
-            <a:endParaRPr b="1" lang="sv-SE" sz="4700" spc="-1" strike="noStrike">
+          <a:bodyPr lIns="137160" tIns="137160" rIns="137160" bIns="137160"/>
+          <a:lstStyle/>
+          <a:p>
+            <a:endParaRPr lang="sv-SE" sz="4700" b="1" strike="noStrike" spc="-1">
               <a:solidFill>
                 <a:srgbClr val="000000"/>
               </a:solidFill>
@@ -4730,7 +5196,7 @@
       </p:sp>
       <p:pic>
         <p:nvPicPr>
-          <p:cNvPr id="107" name="Picture 225" descr=""/>
+          <p:cNvPr id="107" name="Picture 225"/>
           <p:cNvPicPr/>
           <p:nvPr/>
         </p:nvPicPr>
@@ -4753,13 +5219,13 @@
       </p:pic>
       <p:pic>
         <p:nvPicPr>
-          <p:cNvPr id="108" name="Content Placeholder 4" descr=""/>
+          <p:cNvPr id="108" name="Content Placeholder 4"/>
           <p:cNvPicPr/>
           <p:nvPr/>
         </p:nvPicPr>
         <p:blipFill>
           <a:blip r:embed="rId4"/>
-          <a:srcRect l="13654" t="0" r="7515" b="0"/>
+          <a:srcRect l="13654" r="7515"/>
           <a:stretch/>
         </p:blipFill>
         <p:spPr>
@@ -4777,7 +5243,7 @@
       </p:pic>
       <p:pic>
         <p:nvPicPr>
-          <p:cNvPr id="109" name="Picture 2" descr=""/>
+          <p:cNvPr id="109" name="Picture 2"/>
           <p:cNvPicPr/>
           <p:nvPr/>
         </p:nvPicPr>
@@ -4800,7 +5266,7 @@
       </p:pic>
       <p:pic>
         <p:nvPicPr>
-          <p:cNvPr id="110" name="Picture 269" descr=""/>
+          <p:cNvPr id="110" name="Picture 269"/>
           <p:cNvPicPr/>
           <p:nvPr/>
         </p:nvPicPr>
@@ -4823,7 +5289,7 @@
       </p:pic>
       <p:pic>
         <p:nvPicPr>
-          <p:cNvPr id="111" name="Picture 272" descr=""/>
+          <p:cNvPr id="111" name="Picture 272"/>
           <p:cNvPicPr/>
           <p:nvPr/>
         </p:nvPicPr>
@@ -4846,7 +5312,7 @@
       </p:pic>
       <p:pic>
         <p:nvPicPr>
-          <p:cNvPr id="112" name="Picture 268" descr=""/>
+          <p:cNvPr id="112" name="Picture 268"/>
           <p:cNvPicPr/>
           <p:nvPr/>
         </p:nvPicPr>
@@ -4869,6 +5335,9 @@
       </p:pic>
     </p:spTree>
   </p:cSld>
+  <p:clrMapOvr>
+    <a:masterClrMapping/>
+  </p:clrMapOvr>
   <p:timing>
     <p:tnLst>
       <p:par>
@@ -4877,14 +5346,14 @@
             <p:seq>
               <p:cTn id="2" dur="indefinite" nodeType="mainSeq"/>
               <p:prevCondLst>
-                <p:cond delay="0" evt="onPrev">
+                <p:cond evt="onPrev" delay="0">
                   <p:tgtEl>
                     <p:sldTgt/>
                   </p:tgtEl>
                 </p:cond>
               </p:prevCondLst>
               <p:nextCondLst>
-                <p:cond delay="0" evt="onNext">
+                <p:cond evt="onNext" delay="0">
                   <p:tgtEl>
                     <p:sldTgt/>
                   </p:tgtEl>
@@ -4913,31 +5382,31 @@
         <a:srgbClr val="242852"/>
       </a:dk2>
       <a:lt2>
-        <a:srgbClr val="accbf9"/>
+        <a:srgbClr val="ACCBF9"/>
       </a:lt2>
       <a:accent1>
-        <a:srgbClr val="629dd1"/>
+        <a:srgbClr val="629DD1"/>
       </a:accent1>
       <a:accent2>
-        <a:srgbClr val="9348f6"/>
+        <a:srgbClr val="9348F6"/>
       </a:accent2>
       <a:accent3>
-        <a:srgbClr val="7f8fa9"/>
+        <a:srgbClr val="7F8FA9"/>
       </a:accent3>
       <a:accent4>
-        <a:srgbClr val="4b08a1"/>
+        <a:srgbClr val="4B08A1"/>
       </a:accent4>
       <a:accent5>
-        <a:srgbClr val="5aa2ae"/>
+        <a:srgbClr val="5AA2AE"/>
       </a:accent5>
       <a:accent6>
-        <a:srgbClr val="9d90a0"/>
+        <a:srgbClr val="9D90A0"/>
       </a:accent6>
       <a:hlink>
-        <a:srgbClr val="297fd5"/>
+        <a:srgbClr val="297FD5"/>
       </a:hlink>
       <a:folHlink>
-        <a:srgbClr val="3ebbf0"/>
+        <a:srgbClr val="3EBBF0"/>
       </a:folHlink>
     </a:clrScheme>
     <a:fontScheme name="Office">
@@ -5119,5 +5588,7 @@
       </a:bgFillStyleLst>
     </a:fmtScheme>
   </a:themeElements>
+  <a:objectDefaults/>
+  <a:extraClrSchemeLst/>
 </a:theme>
 </file>